--- a/assets/banner-1080p.pptx
+++ b/assets/banner-1080p.pptx
@@ -2,16 +2,18 @@
 <file path=ppt/presentation.xml><?xml version="1.0" encoding="utf-8"?>
 <p:presentation xmlns:a="http://schemas.openxmlformats.org/drawingml/2006/main" xmlns:r="http://schemas.openxmlformats.org/officeDocument/2006/relationships" xmlns:p="http://schemas.openxmlformats.org/presentationml/2006/main" saveSubsetFonts="1" autoCompressPictures="0">
   <p:sldMasterIdLst>
-    <p:sldMasterId id="2147483660" r:id="rId1"/>
+    <p:sldMasterId id="2147483672" r:id="rId1"/>
   </p:sldMasterIdLst>
+  <p:notesMasterIdLst>
+    <p:notesMasterId r:id="rId6"/>
+  </p:notesMasterIdLst>
   <p:sldIdLst>
-    <p:sldId id="256" r:id="rId2"/>
-    <p:sldId id="257" r:id="rId3"/>
-    <p:sldId id="258" r:id="rId4"/>
-    <p:sldId id="259" r:id="rId5"/>
-    <p:sldId id="260" r:id="rId6"/>
+    <p:sldId id="258" r:id="rId2"/>
+    <p:sldId id="259" r:id="rId3"/>
+    <p:sldId id="260" r:id="rId4"/>
+    <p:sldId id="261" r:id="rId5"/>
   </p:sldIdLst>
-  <p:sldSz cx="24382413" cy="12952413"/>
+  <p:sldSz cx="24382413" cy="13716000"/>
   <p:notesSz cx="6858000" cy="9144000"/>
   <p:defaultTextStyle>
     <a:defPPr>
@@ -111,7 +113,7 @@
   <p:extLst>
     <p:ext uri="{EFAFB233-063F-42B5-8137-9DF3F51BA10A}">
       <p15:sldGuideLst xmlns:p15="http://schemas.microsoft.com/office/powerpoint/2012/main">
-        <p15:guide id="1" orient="horz" pos="7504" userDrawn="1">
+        <p15:guide id="1" orient="horz" pos="5908" userDrawn="1">
           <p15:clr>
             <a:srgbClr val="A4A3A4"/>
           </p15:clr>
@@ -125,6 +127,608 @@
     </p:ext>
   </p:extLst>
 </p:presentation>
+</file>
+
+<file path=ppt/notesMasters/notesMaster1.xml><?xml version="1.0" encoding="utf-8"?>
+<p:notesMaster xmlns:a="http://schemas.openxmlformats.org/drawingml/2006/main" xmlns:r="http://schemas.openxmlformats.org/officeDocument/2006/relationships" xmlns:p="http://schemas.openxmlformats.org/presentationml/2006/main">
+  <p:cSld>
+    <p:bg>
+      <p:bgRef idx="1001">
+        <a:schemeClr val="bg1"/>
+      </p:bgRef>
+    </p:bg>
+    <p:spTree>
+      <p:nvGrpSpPr>
+        <p:cNvPr id="1" name=""/>
+        <p:cNvGrpSpPr/>
+        <p:nvPr/>
+      </p:nvGrpSpPr>
+      <p:grpSpPr>
+        <a:xfrm>
+          <a:off x="0" y="0"/>
+          <a:ext cx="0" cy="0"/>
+          <a:chOff x="0" y="0"/>
+          <a:chExt cx="0" cy="0"/>
+        </a:xfrm>
+      </p:grpSpPr>
+      <p:sp>
+        <p:nvSpPr>
+          <p:cNvPr id="2" name="Header Placeholder 1"/>
+          <p:cNvSpPr>
+            <a:spLocks noGrp="1"/>
+          </p:cNvSpPr>
+          <p:nvPr>
+            <p:ph type="hdr" sz="quarter"/>
+          </p:nvPr>
+        </p:nvSpPr>
+        <p:spPr>
+          <a:xfrm>
+            <a:off x="0" y="0"/>
+            <a:ext cx="2971800" cy="458788"/>
+          </a:xfrm>
+          <a:prstGeom prst="rect">
+            <a:avLst/>
+          </a:prstGeom>
+        </p:spPr>
+        <p:txBody>
+          <a:bodyPr vert="horz" lIns="91440" tIns="45720" rIns="91440" bIns="45720" rtlCol="0"/>
+          <a:lstStyle>
+            <a:lvl1pPr algn="l">
+              <a:defRPr sz="1200"/>
+            </a:lvl1pPr>
+          </a:lstStyle>
+          <a:p>
+            <a:endParaRPr lang="en-US"/>
+          </a:p>
+        </p:txBody>
+      </p:sp>
+      <p:sp>
+        <p:nvSpPr>
+          <p:cNvPr id="3" name="Date Placeholder 2"/>
+          <p:cNvSpPr>
+            <a:spLocks noGrp="1"/>
+          </p:cNvSpPr>
+          <p:nvPr>
+            <p:ph type="dt" idx="1"/>
+          </p:nvPr>
+        </p:nvSpPr>
+        <p:spPr>
+          <a:xfrm>
+            <a:off x="3884613" y="0"/>
+            <a:ext cx="2971800" cy="458788"/>
+          </a:xfrm>
+          <a:prstGeom prst="rect">
+            <a:avLst/>
+          </a:prstGeom>
+        </p:spPr>
+        <p:txBody>
+          <a:bodyPr vert="horz" lIns="91440" tIns="45720" rIns="91440" bIns="45720" rtlCol="0"/>
+          <a:lstStyle>
+            <a:lvl1pPr algn="r">
+              <a:defRPr sz="1200"/>
+            </a:lvl1pPr>
+          </a:lstStyle>
+          <a:p>
+            <a:fld id="{9C0006A6-A0E1-4448-9C8A-A9C3311C55B4}" type="datetimeFigureOut">
+              <a:rPr lang="en-US" smtClean="0"/>
+              <a:t>3/24/23</a:t>
+            </a:fld>
+            <a:endParaRPr lang="en-US"/>
+          </a:p>
+        </p:txBody>
+      </p:sp>
+      <p:sp>
+        <p:nvSpPr>
+          <p:cNvPr id="4" name="Slide Image Placeholder 3"/>
+          <p:cNvSpPr>
+            <a:spLocks noGrp="1" noRot="1" noChangeAspect="1"/>
+          </p:cNvSpPr>
+          <p:nvPr>
+            <p:ph type="sldImg" idx="2"/>
+          </p:nvPr>
+        </p:nvSpPr>
+        <p:spPr>
+          <a:xfrm>
+            <a:off x="685800" y="1143000"/>
+            <a:ext cx="5486400" cy="3086100"/>
+          </a:xfrm>
+          <a:prstGeom prst="rect">
+            <a:avLst/>
+          </a:prstGeom>
+          <a:noFill/>
+          <a:ln w="12700">
+            <a:solidFill>
+              <a:prstClr val="black"/>
+            </a:solidFill>
+          </a:ln>
+        </p:spPr>
+        <p:txBody>
+          <a:bodyPr vert="horz" lIns="91440" tIns="45720" rIns="91440" bIns="45720" rtlCol="0" anchor="ctr"/>
+          <a:lstStyle/>
+          <a:p>
+            <a:endParaRPr lang="en-US"/>
+          </a:p>
+        </p:txBody>
+      </p:sp>
+      <p:sp>
+        <p:nvSpPr>
+          <p:cNvPr id="5" name="Notes Placeholder 4"/>
+          <p:cNvSpPr>
+            <a:spLocks noGrp="1"/>
+          </p:cNvSpPr>
+          <p:nvPr>
+            <p:ph type="body" sz="quarter" idx="3"/>
+          </p:nvPr>
+        </p:nvSpPr>
+        <p:spPr>
+          <a:xfrm>
+            <a:off x="685800" y="4400550"/>
+            <a:ext cx="5486400" cy="3600450"/>
+          </a:xfrm>
+          <a:prstGeom prst="rect">
+            <a:avLst/>
+          </a:prstGeom>
+        </p:spPr>
+        <p:txBody>
+          <a:bodyPr vert="horz" lIns="91440" tIns="45720" rIns="91440" bIns="45720" rtlCol="0"/>
+          <a:lstStyle/>
+          <a:p>
+            <a:pPr lvl="0"/>
+            <a:r>
+              <a:rPr lang="en-GB"/>
+              <a:t>Click to edit Master text styles</a:t>
+            </a:r>
+          </a:p>
+          <a:p>
+            <a:pPr lvl="1"/>
+            <a:r>
+              <a:rPr lang="en-GB"/>
+              <a:t>Second level</a:t>
+            </a:r>
+          </a:p>
+          <a:p>
+            <a:pPr lvl="2"/>
+            <a:r>
+              <a:rPr lang="en-GB"/>
+              <a:t>Third level</a:t>
+            </a:r>
+          </a:p>
+          <a:p>
+            <a:pPr lvl="3"/>
+            <a:r>
+              <a:rPr lang="en-GB"/>
+              <a:t>Fourth level</a:t>
+            </a:r>
+          </a:p>
+          <a:p>
+            <a:pPr lvl="4"/>
+            <a:r>
+              <a:rPr lang="en-GB"/>
+              <a:t>Fifth level</a:t>
+            </a:r>
+            <a:endParaRPr lang="en-US"/>
+          </a:p>
+        </p:txBody>
+      </p:sp>
+      <p:sp>
+        <p:nvSpPr>
+          <p:cNvPr id="6" name="Footer Placeholder 5"/>
+          <p:cNvSpPr>
+            <a:spLocks noGrp="1"/>
+          </p:cNvSpPr>
+          <p:nvPr>
+            <p:ph type="ftr" sz="quarter" idx="4"/>
+          </p:nvPr>
+        </p:nvSpPr>
+        <p:spPr>
+          <a:xfrm>
+            <a:off x="0" y="8685213"/>
+            <a:ext cx="2971800" cy="458787"/>
+          </a:xfrm>
+          <a:prstGeom prst="rect">
+            <a:avLst/>
+          </a:prstGeom>
+        </p:spPr>
+        <p:txBody>
+          <a:bodyPr vert="horz" lIns="91440" tIns="45720" rIns="91440" bIns="45720" rtlCol="0" anchor="b"/>
+          <a:lstStyle>
+            <a:lvl1pPr algn="l">
+              <a:defRPr sz="1200"/>
+            </a:lvl1pPr>
+          </a:lstStyle>
+          <a:p>
+            <a:endParaRPr lang="en-US"/>
+          </a:p>
+        </p:txBody>
+      </p:sp>
+      <p:sp>
+        <p:nvSpPr>
+          <p:cNvPr id="7" name="Slide Number Placeholder 6"/>
+          <p:cNvSpPr>
+            <a:spLocks noGrp="1"/>
+          </p:cNvSpPr>
+          <p:nvPr>
+            <p:ph type="sldNum" sz="quarter" idx="5"/>
+          </p:nvPr>
+        </p:nvSpPr>
+        <p:spPr>
+          <a:xfrm>
+            <a:off x="3884613" y="8685213"/>
+            <a:ext cx="2971800" cy="458787"/>
+          </a:xfrm>
+          <a:prstGeom prst="rect">
+            <a:avLst/>
+          </a:prstGeom>
+        </p:spPr>
+        <p:txBody>
+          <a:bodyPr vert="horz" lIns="91440" tIns="45720" rIns="91440" bIns="45720" rtlCol="0" anchor="b"/>
+          <a:lstStyle>
+            <a:lvl1pPr algn="r">
+              <a:defRPr sz="1200"/>
+            </a:lvl1pPr>
+          </a:lstStyle>
+          <a:p>
+            <a:fld id="{EFB1C61E-5C73-4E45-945E-FD98D109FE31}" type="slidenum">
+              <a:rPr lang="en-US" smtClean="0"/>
+              <a:t>‹#›</a:t>
+            </a:fld>
+            <a:endParaRPr lang="en-US"/>
+          </a:p>
+        </p:txBody>
+      </p:sp>
+    </p:spTree>
+    <p:extLst>
+      <p:ext uri="{BB962C8B-B14F-4D97-AF65-F5344CB8AC3E}">
+        <p14:creationId xmlns:p14="http://schemas.microsoft.com/office/powerpoint/2010/main" val="3036708042"/>
+      </p:ext>
+    </p:extLst>
+  </p:cSld>
+  <p:clrMap bg1="lt1" tx1="dk1" bg2="lt2" tx2="dk2" accent1="accent1" accent2="accent2" accent3="accent3" accent4="accent4" accent5="accent5" accent6="accent6" hlink="hlink" folHlink="folHlink"/>
+  <p:notesStyle>
+    <a:lvl1pPr marL="0" algn="l" defTabSz="914400" rtl="0" eaLnBrk="1" latinLnBrk="0" hangingPunct="1">
+      <a:defRPr sz="1200" kern="1200">
+        <a:solidFill>
+          <a:schemeClr val="tx1"/>
+        </a:solidFill>
+        <a:latin typeface="+mn-lt"/>
+        <a:ea typeface="+mn-ea"/>
+        <a:cs typeface="+mn-cs"/>
+      </a:defRPr>
+    </a:lvl1pPr>
+    <a:lvl2pPr marL="457200" algn="l" defTabSz="914400" rtl="0" eaLnBrk="1" latinLnBrk="0" hangingPunct="1">
+      <a:defRPr sz="1200" kern="1200">
+        <a:solidFill>
+          <a:schemeClr val="tx1"/>
+        </a:solidFill>
+        <a:latin typeface="+mn-lt"/>
+        <a:ea typeface="+mn-ea"/>
+        <a:cs typeface="+mn-cs"/>
+      </a:defRPr>
+    </a:lvl2pPr>
+    <a:lvl3pPr marL="914400" algn="l" defTabSz="914400" rtl="0" eaLnBrk="1" latinLnBrk="0" hangingPunct="1">
+      <a:defRPr sz="1200" kern="1200">
+        <a:solidFill>
+          <a:schemeClr val="tx1"/>
+        </a:solidFill>
+        <a:latin typeface="+mn-lt"/>
+        <a:ea typeface="+mn-ea"/>
+        <a:cs typeface="+mn-cs"/>
+      </a:defRPr>
+    </a:lvl3pPr>
+    <a:lvl4pPr marL="1371600" algn="l" defTabSz="914400" rtl="0" eaLnBrk="1" latinLnBrk="0" hangingPunct="1">
+      <a:defRPr sz="1200" kern="1200">
+        <a:solidFill>
+          <a:schemeClr val="tx1"/>
+        </a:solidFill>
+        <a:latin typeface="+mn-lt"/>
+        <a:ea typeface="+mn-ea"/>
+        <a:cs typeface="+mn-cs"/>
+      </a:defRPr>
+    </a:lvl4pPr>
+    <a:lvl5pPr marL="1828800" algn="l" defTabSz="914400" rtl="0" eaLnBrk="1" latinLnBrk="0" hangingPunct="1">
+      <a:defRPr sz="1200" kern="1200">
+        <a:solidFill>
+          <a:schemeClr val="tx1"/>
+        </a:solidFill>
+        <a:latin typeface="+mn-lt"/>
+        <a:ea typeface="+mn-ea"/>
+        <a:cs typeface="+mn-cs"/>
+      </a:defRPr>
+    </a:lvl5pPr>
+    <a:lvl6pPr marL="2286000" algn="l" defTabSz="914400" rtl="0" eaLnBrk="1" latinLnBrk="0" hangingPunct="1">
+      <a:defRPr sz="1200" kern="1200">
+        <a:solidFill>
+          <a:schemeClr val="tx1"/>
+        </a:solidFill>
+        <a:latin typeface="+mn-lt"/>
+        <a:ea typeface="+mn-ea"/>
+        <a:cs typeface="+mn-cs"/>
+      </a:defRPr>
+    </a:lvl6pPr>
+    <a:lvl7pPr marL="2743200" algn="l" defTabSz="914400" rtl="0" eaLnBrk="1" latinLnBrk="0" hangingPunct="1">
+      <a:defRPr sz="1200" kern="1200">
+        <a:solidFill>
+          <a:schemeClr val="tx1"/>
+        </a:solidFill>
+        <a:latin typeface="+mn-lt"/>
+        <a:ea typeface="+mn-ea"/>
+        <a:cs typeface="+mn-cs"/>
+      </a:defRPr>
+    </a:lvl7pPr>
+    <a:lvl8pPr marL="3200400" algn="l" defTabSz="914400" rtl="0" eaLnBrk="1" latinLnBrk="0" hangingPunct="1">
+      <a:defRPr sz="1200" kern="1200">
+        <a:solidFill>
+          <a:schemeClr val="tx1"/>
+        </a:solidFill>
+        <a:latin typeface="+mn-lt"/>
+        <a:ea typeface="+mn-ea"/>
+        <a:cs typeface="+mn-cs"/>
+      </a:defRPr>
+    </a:lvl8pPr>
+    <a:lvl9pPr marL="3657600" algn="l" defTabSz="914400" rtl="0" eaLnBrk="1" latinLnBrk="0" hangingPunct="1">
+      <a:defRPr sz="1200" kern="1200">
+        <a:solidFill>
+          <a:schemeClr val="tx1"/>
+        </a:solidFill>
+        <a:latin typeface="+mn-lt"/>
+        <a:ea typeface="+mn-ea"/>
+        <a:cs typeface="+mn-cs"/>
+      </a:defRPr>
+    </a:lvl9pPr>
+  </p:notesStyle>
+</p:notesMaster>
+</file>
+
+<file path=ppt/notesSlides/notesSlide1.xml><?xml version="1.0" encoding="utf-8"?>
+<p:notes xmlns:a="http://schemas.openxmlformats.org/drawingml/2006/main" xmlns:r="http://schemas.openxmlformats.org/officeDocument/2006/relationships" xmlns:p="http://schemas.openxmlformats.org/presentationml/2006/main">
+  <p:cSld>
+    <p:spTree>
+      <p:nvGrpSpPr>
+        <p:cNvPr id="1" name=""/>
+        <p:cNvGrpSpPr/>
+        <p:nvPr/>
+      </p:nvGrpSpPr>
+      <p:grpSpPr>
+        <a:xfrm>
+          <a:off x="0" y="0"/>
+          <a:ext cx="0" cy="0"/>
+          <a:chOff x="0" y="0"/>
+          <a:chExt cx="0" cy="0"/>
+        </a:xfrm>
+      </p:grpSpPr>
+      <p:sp>
+        <p:nvSpPr>
+          <p:cNvPr id="2" name="Slide Image Placeholder 1"/>
+          <p:cNvSpPr>
+            <a:spLocks noGrp="1" noRot="1" noChangeAspect="1"/>
+          </p:cNvSpPr>
+          <p:nvPr>
+            <p:ph type="sldImg"/>
+          </p:nvPr>
+        </p:nvSpPr>
+        <p:spPr/>
+      </p:sp>
+      <p:sp>
+        <p:nvSpPr>
+          <p:cNvPr id="3" name="Notes Placeholder 2"/>
+          <p:cNvSpPr>
+            <a:spLocks noGrp="1"/>
+          </p:cNvSpPr>
+          <p:nvPr>
+            <p:ph type="body" idx="1"/>
+          </p:nvPr>
+        </p:nvSpPr>
+        <p:spPr/>
+        <p:txBody>
+          <a:bodyPr/>
+          <a:lstStyle/>
+          <a:p>
+            <a:endParaRPr lang="en-US"/>
+          </a:p>
+        </p:txBody>
+      </p:sp>
+      <p:sp>
+        <p:nvSpPr>
+          <p:cNvPr id="4" name="Slide Number Placeholder 3"/>
+          <p:cNvSpPr>
+            <a:spLocks noGrp="1"/>
+          </p:cNvSpPr>
+          <p:nvPr>
+            <p:ph type="sldNum" sz="quarter" idx="5"/>
+          </p:nvPr>
+        </p:nvSpPr>
+        <p:spPr/>
+        <p:txBody>
+          <a:bodyPr/>
+          <a:lstStyle/>
+          <a:p>
+            <a:fld id="{EFB1C61E-5C73-4E45-945E-FD98D109FE31}" type="slidenum">
+              <a:rPr lang="en-US" smtClean="0"/>
+              <a:t>1</a:t>
+            </a:fld>
+            <a:endParaRPr lang="en-US"/>
+          </a:p>
+        </p:txBody>
+      </p:sp>
+    </p:spTree>
+    <p:extLst>
+      <p:ext uri="{BB962C8B-B14F-4D97-AF65-F5344CB8AC3E}">
+        <p14:creationId xmlns:p14="http://schemas.microsoft.com/office/powerpoint/2010/main" val="3304860054"/>
+      </p:ext>
+    </p:extLst>
+  </p:cSld>
+  <p:clrMapOvr>
+    <a:masterClrMapping/>
+  </p:clrMapOvr>
+</p:notes>
+</file>
+
+<file path=ppt/notesSlides/notesSlide2.xml><?xml version="1.0" encoding="utf-8"?>
+<p:notes xmlns:a="http://schemas.openxmlformats.org/drawingml/2006/main" xmlns:r="http://schemas.openxmlformats.org/officeDocument/2006/relationships" xmlns:p="http://schemas.openxmlformats.org/presentationml/2006/main">
+  <p:cSld>
+    <p:spTree>
+      <p:nvGrpSpPr>
+        <p:cNvPr id="1" name=""/>
+        <p:cNvGrpSpPr/>
+        <p:nvPr/>
+      </p:nvGrpSpPr>
+      <p:grpSpPr>
+        <a:xfrm>
+          <a:off x="0" y="0"/>
+          <a:ext cx="0" cy="0"/>
+          <a:chOff x="0" y="0"/>
+          <a:chExt cx="0" cy="0"/>
+        </a:xfrm>
+      </p:grpSpPr>
+      <p:sp>
+        <p:nvSpPr>
+          <p:cNvPr id="2" name="Slide Image Placeholder 1"/>
+          <p:cNvSpPr>
+            <a:spLocks noGrp="1" noRot="1" noChangeAspect="1"/>
+          </p:cNvSpPr>
+          <p:nvPr>
+            <p:ph type="sldImg"/>
+          </p:nvPr>
+        </p:nvSpPr>
+        <p:spPr/>
+      </p:sp>
+      <p:sp>
+        <p:nvSpPr>
+          <p:cNvPr id="3" name="Notes Placeholder 2"/>
+          <p:cNvSpPr>
+            <a:spLocks noGrp="1"/>
+          </p:cNvSpPr>
+          <p:nvPr>
+            <p:ph type="body" idx="1"/>
+          </p:nvPr>
+        </p:nvSpPr>
+        <p:spPr/>
+        <p:txBody>
+          <a:bodyPr/>
+          <a:lstStyle/>
+          <a:p>
+            <a:endParaRPr lang="en-US"/>
+          </a:p>
+        </p:txBody>
+      </p:sp>
+      <p:sp>
+        <p:nvSpPr>
+          <p:cNvPr id="4" name="Slide Number Placeholder 3"/>
+          <p:cNvSpPr>
+            <a:spLocks noGrp="1"/>
+          </p:cNvSpPr>
+          <p:nvPr>
+            <p:ph type="sldNum" sz="quarter" idx="5"/>
+          </p:nvPr>
+        </p:nvSpPr>
+        <p:spPr/>
+        <p:txBody>
+          <a:bodyPr/>
+          <a:lstStyle/>
+          <a:p>
+            <a:fld id="{EFB1C61E-5C73-4E45-945E-FD98D109FE31}" type="slidenum">
+              <a:rPr lang="en-US" smtClean="0"/>
+              <a:t>2</a:t>
+            </a:fld>
+            <a:endParaRPr lang="en-US"/>
+          </a:p>
+        </p:txBody>
+      </p:sp>
+    </p:spTree>
+    <p:extLst>
+      <p:ext uri="{BB962C8B-B14F-4D97-AF65-F5344CB8AC3E}">
+        <p14:creationId xmlns:p14="http://schemas.microsoft.com/office/powerpoint/2010/main" val="1482464016"/>
+      </p:ext>
+    </p:extLst>
+  </p:cSld>
+  <p:clrMapOvr>
+    <a:masterClrMapping/>
+  </p:clrMapOvr>
+</p:notes>
+</file>
+
+<file path=ppt/notesSlides/notesSlide3.xml><?xml version="1.0" encoding="utf-8"?>
+<p:notes xmlns:a="http://schemas.openxmlformats.org/drawingml/2006/main" xmlns:r="http://schemas.openxmlformats.org/officeDocument/2006/relationships" xmlns:p="http://schemas.openxmlformats.org/presentationml/2006/main">
+  <p:cSld>
+    <p:spTree>
+      <p:nvGrpSpPr>
+        <p:cNvPr id="1" name=""/>
+        <p:cNvGrpSpPr/>
+        <p:nvPr/>
+      </p:nvGrpSpPr>
+      <p:grpSpPr>
+        <a:xfrm>
+          <a:off x="0" y="0"/>
+          <a:ext cx="0" cy="0"/>
+          <a:chOff x="0" y="0"/>
+          <a:chExt cx="0" cy="0"/>
+        </a:xfrm>
+      </p:grpSpPr>
+      <p:sp>
+        <p:nvSpPr>
+          <p:cNvPr id="2" name="Slide Image Placeholder 1"/>
+          <p:cNvSpPr>
+            <a:spLocks noGrp="1" noRot="1" noChangeAspect="1"/>
+          </p:cNvSpPr>
+          <p:nvPr>
+            <p:ph type="sldImg"/>
+          </p:nvPr>
+        </p:nvSpPr>
+        <p:spPr/>
+      </p:sp>
+      <p:sp>
+        <p:nvSpPr>
+          <p:cNvPr id="3" name="Notes Placeholder 2"/>
+          <p:cNvSpPr>
+            <a:spLocks noGrp="1"/>
+          </p:cNvSpPr>
+          <p:nvPr>
+            <p:ph type="body" idx="1"/>
+          </p:nvPr>
+        </p:nvSpPr>
+        <p:spPr/>
+        <p:txBody>
+          <a:bodyPr/>
+          <a:lstStyle/>
+          <a:p>
+            <a:endParaRPr lang="en-US"/>
+          </a:p>
+        </p:txBody>
+      </p:sp>
+      <p:sp>
+        <p:nvSpPr>
+          <p:cNvPr id="4" name="Slide Number Placeholder 3"/>
+          <p:cNvSpPr>
+            <a:spLocks noGrp="1"/>
+          </p:cNvSpPr>
+          <p:nvPr>
+            <p:ph type="sldNum" sz="quarter" idx="5"/>
+          </p:nvPr>
+        </p:nvSpPr>
+        <p:spPr/>
+        <p:txBody>
+          <a:bodyPr/>
+          <a:lstStyle/>
+          <a:p>
+            <a:fld id="{EFB1C61E-5C73-4E45-945E-FD98D109FE31}" type="slidenum">
+              <a:rPr lang="en-US" smtClean="0"/>
+              <a:t>3</a:t>
+            </a:fld>
+            <a:endParaRPr lang="en-US"/>
+          </a:p>
+        </p:txBody>
+      </p:sp>
+    </p:spTree>
+    <p:extLst>
+      <p:ext uri="{BB962C8B-B14F-4D97-AF65-F5344CB8AC3E}">
+        <p14:creationId xmlns:p14="http://schemas.microsoft.com/office/powerpoint/2010/main" val="1886396340"/>
+      </p:ext>
+    </p:extLst>
+  </p:cSld>
+  <p:clrMapOvr>
+    <a:masterClrMapping/>
+  </p:clrMapOvr>
+</p:notes>
 </file>
 
 <file path=ppt/slideLayouts/slideLayout1.xml><?xml version="1.0" encoding="utf-8"?>
@@ -156,15 +760,15 @@
         </p:nvSpPr>
         <p:spPr>
           <a:xfrm>
-            <a:off x="3047802" y="2119759"/>
-            <a:ext cx="18286810" cy="4509359"/>
+            <a:off x="3047802" y="2244726"/>
+            <a:ext cx="18286810" cy="4775200"/>
           </a:xfrm>
         </p:spPr>
         <p:txBody>
           <a:bodyPr anchor="b"/>
           <a:lstStyle>
             <a:lvl1pPr algn="ctr">
-              <a:defRPr sz="11332"/>
+              <a:defRPr sz="11999"/>
             </a:lvl1pPr>
           </a:lstStyle>
           <a:p>
@@ -188,8 +792,8 @@
         </p:nvSpPr>
         <p:spPr>
           <a:xfrm>
-            <a:off x="3047802" y="6803016"/>
-            <a:ext cx="18286810" cy="3127167"/>
+            <a:off x="3047802" y="7204076"/>
+            <a:ext cx="18286810" cy="3311524"/>
           </a:xfrm>
         </p:spPr>
         <p:txBody>
@@ -197,39 +801,39 @@
           <a:lstStyle>
             <a:lvl1pPr marL="0" indent="0" algn="ctr">
               <a:buNone/>
-              <a:defRPr sz="4533"/>
+              <a:defRPr sz="4800"/>
             </a:lvl1pPr>
-            <a:lvl2pPr marL="863514" indent="0" algn="ctr">
-              <a:buNone/>
-              <a:defRPr sz="3777"/>
+            <a:lvl2pPr marL="914354" indent="0" algn="ctr">
+              <a:buNone/>
+              <a:defRPr sz="4000"/>
             </a:lvl2pPr>
-            <a:lvl3pPr marL="1727027" indent="0" algn="ctr">
-              <a:buNone/>
-              <a:defRPr sz="3400"/>
+            <a:lvl3pPr marL="1828709" indent="0" algn="ctr">
+              <a:buNone/>
+              <a:defRPr sz="3600"/>
             </a:lvl3pPr>
-            <a:lvl4pPr marL="2590541" indent="0" algn="ctr">
-              <a:buNone/>
-              <a:defRPr sz="3022"/>
+            <a:lvl4pPr marL="2743063" indent="0" algn="ctr">
+              <a:buNone/>
+              <a:defRPr sz="3200"/>
             </a:lvl4pPr>
-            <a:lvl5pPr marL="3454055" indent="0" algn="ctr">
-              <a:buNone/>
-              <a:defRPr sz="3022"/>
+            <a:lvl5pPr marL="3657417" indent="0" algn="ctr">
+              <a:buNone/>
+              <a:defRPr sz="3200"/>
             </a:lvl5pPr>
-            <a:lvl6pPr marL="4317568" indent="0" algn="ctr">
-              <a:buNone/>
-              <a:defRPr sz="3022"/>
+            <a:lvl6pPr marL="4571771" indent="0" algn="ctr">
+              <a:buNone/>
+              <a:defRPr sz="3200"/>
             </a:lvl6pPr>
-            <a:lvl7pPr marL="5181082" indent="0" algn="ctr">
-              <a:buNone/>
-              <a:defRPr sz="3022"/>
+            <a:lvl7pPr marL="5486126" indent="0" algn="ctr">
+              <a:buNone/>
+              <a:defRPr sz="3200"/>
             </a:lvl7pPr>
-            <a:lvl8pPr marL="6044595" indent="0" algn="ctr">
-              <a:buNone/>
-              <a:defRPr sz="3022"/>
+            <a:lvl8pPr marL="6400480" indent="0" algn="ctr">
+              <a:buNone/>
+              <a:defRPr sz="3200"/>
             </a:lvl8pPr>
-            <a:lvl9pPr marL="6908109" indent="0" algn="ctr">
-              <a:buNone/>
-              <a:defRPr sz="3022"/>
+            <a:lvl9pPr marL="7314834" indent="0" algn="ctr">
+              <a:buNone/>
+              <a:defRPr sz="3200"/>
             </a:lvl9pPr>
           </a:lstStyle>
           <a:p>
@@ -309,7 +913,7 @@
     </p:spTree>
     <p:extLst>
       <p:ext uri="{BB962C8B-B14F-4D97-AF65-F5344CB8AC3E}">
-        <p14:creationId xmlns:p14="http://schemas.microsoft.com/office/powerpoint/2010/main" val="770334654"/>
+        <p14:creationId xmlns:p14="http://schemas.microsoft.com/office/powerpoint/2010/main" val="2789216"/>
       </p:ext>
     </p:extLst>
   </p:cSld>
@@ -479,7 +1083,7 @@
     </p:spTree>
     <p:extLst>
       <p:ext uri="{BB962C8B-B14F-4D97-AF65-F5344CB8AC3E}">
-        <p14:creationId xmlns:p14="http://schemas.microsoft.com/office/powerpoint/2010/main" val="3972028505"/>
+        <p14:creationId xmlns:p14="http://schemas.microsoft.com/office/powerpoint/2010/main" val="2412303727"/>
       </p:ext>
     </p:extLst>
   </p:cSld>
@@ -518,8 +1122,8 @@
         </p:nvSpPr>
         <p:spPr>
           <a:xfrm>
-            <a:off x="17448664" y="689596"/>
-            <a:ext cx="5257458" cy="10976571"/>
+            <a:off x="17448664" y="730250"/>
+            <a:ext cx="5257458" cy="11623676"/>
           </a:xfrm>
         </p:spPr>
         <p:txBody>
@@ -546,8 +1150,8 @@
         </p:nvSpPr>
         <p:spPr>
           <a:xfrm>
-            <a:off x="1676291" y="689596"/>
-            <a:ext cx="15467593" cy="10976571"/>
+            <a:off x="1676291" y="730250"/>
+            <a:ext cx="15467593" cy="11623676"/>
           </a:xfrm>
         </p:spPr>
         <p:txBody>
@@ -659,7 +1263,7 @@
     </p:spTree>
     <p:extLst>
       <p:ext uri="{BB962C8B-B14F-4D97-AF65-F5344CB8AC3E}">
-        <p14:creationId xmlns:p14="http://schemas.microsoft.com/office/powerpoint/2010/main" val="3116141189"/>
+        <p14:creationId xmlns:p14="http://schemas.microsoft.com/office/powerpoint/2010/main" val="1562891072"/>
       </p:ext>
     </p:extLst>
   </p:cSld>
@@ -829,7 +1433,7 @@
     </p:spTree>
     <p:extLst>
       <p:ext uri="{BB962C8B-B14F-4D97-AF65-F5344CB8AC3E}">
-        <p14:creationId xmlns:p14="http://schemas.microsoft.com/office/powerpoint/2010/main" val="2043167290"/>
+        <p14:creationId xmlns:p14="http://schemas.microsoft.com/office/powerpoint/2010/main" val="2726856417"/>
       </p:ext>
     </p:extLst>
   </p:cSld>
@@ -868,15 +1472,15 @@
         </p:nvSpPr>
         <p:spPr>
           <a:xfrm>
-            <a:off x="1663592" y="3229110"/>
-            <a:ext cx="21029831" cy="5387843"/>
+            <a:off x="1663592" y="3419477"/>
+            <a:ext cx="21029831" cy="5705474"/>
           </a:xfrm>
         </p:spPr>
         <p:txBody>
           <a:bodyPr anchor="b"/>
           <a:lstStyle>
             <a:lvl1pPr>
-              <a:defRPr sz="11332"/>
+              <a:defRPr sz="11999"/>
             </a:lvl1pPr>
           </a:lstStyle>
           <a:p>
@@ -900,8 +1504,8 @@
         </p:nvSpPr>
         <p:spPr>
           <a:xfrm>
-            <a:off x="1663592" y="8667925"/>
-            <a:ext cx="21029831" cy="2833339"/>
+            <a:off x="1663592" y="9178927"/>
+            <a:ext cx="21029831" cy="3000374"/>
           </a:xfrm>
         </p:spPr>
         <p:txBody>
@@ -909,7 +1513,7 @@
           <a:lstStyle>
             <a:lvl1pPr marL="0" indent="0">
               <a:buNone/>
-              <a:defRPr sz="4533">
+              <a:defRPr sz="4800">
                 <a:solidFill>
                   <a:schemeClr val="tx1">
                     <a:tint val="75000"/>
@@ -917,9 +1521,9 @@
                 </a:solidFill>
               </a:defRPr>
             </a:lvl1pPr>
-            <a:lvl2pPr marL="863514" indent="0">
-              <a:buNone/>
-              <a:defRPr sz="3777">
+            <a:lvl2pPr marL="914354" indent="0">
+              <a:buNone/>
+              <a:defRPr sz="4000">
                 <a:solidFill>
                   <a:schemeClr val="tx1">
                     <a:tint val="75000"/>
@@ -927,9 +1531,9 @@
                 </a:solidFill>
               </a:defRPr>
             </a:lvl2pPr>
-            <a:lvl3pPr marL="1727027" indent="0">
-              <a:buNone/>
-              <a:defRPr sz="3400">
+            <a:lvl3pPr marL="1828709" indent="0">
+              <a:buNone/>
+              <a:defRPr sz="3600">
                 <a:solidFill>
                   <a:schemeClr val="tx1">
                     <a:tint val="75000"/>
@@ -937,9 +1541,9 @@
                 </a:solidFill>
               </a:defRPr>
             </a:lvl3pPr>
-            <a:lvl4pPr marL="2590541" indent="0">
-              <a:buNone/>
-              <a:defRPr sz="3022">
+            <a:lvl4pPr marL="2743063" indent="0">
+              <a:buNone/>
+              <a:defRPr sz="3200">
                 <a:solidFill>
                   <a:schemeClr val="tx1">
                     <a:tint val="75000"/>
@@ -947,9 +1551,9 @@
                 </a:solidFill>
               </a:defRPr>
             </a:lvl4pPr>
-            <a:lvl5pPr marL="3454055" indent="0">
-              <a:buNone/>
-              <a:defRPr sz="3022">
+            <a:lvl5pPr marL="3657417" indent="0">
+              <a:buNone/>
+              <a:defRPr sz="3200">
                 <a:solidFill>
                   <a:schemeClr val="tx1">
                     <a:tint val="75000"/>
@@ -957,9 +1561,9 @@
                 </a:solidFill>
               </a:defRPr>
             </a:lvl5pPr>
-            <a:lvl6pPr marL="4317568" indent="0">
-              <a:buNone/>
-              <a:defRPr sz="3022">
+            <a:lvl6pPr marL="4571771" indent="0">
+              <a:buNone/>
+              <a:defRPr sz="3200">
                 <a:solidFill>
                   <a:schemeClr val="tx1">
                     <a:tint val="75000"/>
@@ -967,9 +1571,9 @@
                 </a:solidFill>
               </a:defRPr>
             </a:lvl6pPr>
-            <a:lvl7pPr marL="5181082" indent="0">
-              <a:buNone/>
-              <a:defRPr sz="3022">
+            <a:lvl7pPr marL="5486126" indent="0">
+              <a:buNone/>
+              <a:defRPr sz="3200">
                 <a:solidFill>
                   <a:schemeClr val="tx1">
                     <a:tint val="75000"/>
@@ -977,9 +1581,9 @@
                 </a:solidFill>
               </a:defRPr>
             </a:lvl7pPr>
-            <a:lvl8pPr marL="6044595" indent="0">
-              <a:buNone/>
-              <a:defRPr sz="3022">
+            <a:lvl8pPr marL="6400480" indent="0">
+              <a:buNone/>
+              <a:defRPr sz="3200">
                 <a:solidFill>
                   <a:schemeClr val="tx1">
                     <a:tint val="75000"/>
@@ -987,9 +1591,9 @@
                 </a:solidFill>
               </a:defRPr>
             </a:lvl8pPr>
-            <a:lvl9pPr marL="6908109" indent="0">
-              <a:buNone/>
-              <a:defRPr sz="3022">
+            <a:lvl9pPr marL="7314834" indent="0">
+              <a:buNone/>
+              <a:defRPr sz="3200">
                 <a:solidFill>
                   <a:schemeClr val="tx1">
                     <a:tint val="75000"/>
@@ -1075,7 +1679,7 @@
     </p:spTree>
     <p:extLst>
       <p:ext uri="{BB962C8B-B14F-4D97-AF65-F5344CB8AC3E}">
-        <p14:creationId xmlns:p14="http://schemas.microsoft.com/office/powerpoint/2010/main" val="4182307536"/>
+        <p14:creationId xmlns:p14="http://schemas.microsoft.com/office/powerpoint/2010/main" val="1517640301"/>
       </p:ext>
     </p:extLst>
   </p:cSld>
@@ -1137,8 +1741,8 @@
         </p:nvSpPr>
         <p:spPr>
           <a:xfrm>
-            <a:off x="1676291" y="3447980"/>
-            <a:ext cx="10362526" cy="8218187"/>
+            <a:off x="1676291" y="3651250"/>
+            <a:ext cx="10362526" cy="8702676"/>
           </a:xfrm>
         </p:spPr>
         <p:txBody>
@@ -1194,8 +1798,8 @@
         </p:nvSpPr>
         <p:spPr>
           <a:xfrm>
-            <a:off x="12343596" y="3447980"/>
-            <a:ext cx="10362526" cy="8218187"/>
+            <a:off x="12343596" y="3651250"/>
+            <a:ext cx="10362526" cy="8702676"/>
           </a:xfrm>
         </p:spPr>
         <p:txBody>
@@ -1307,7 +1911,7 @@
     </p:spTree>
     <p:extLst>
       <p:ext uri="{BB962C8B-B14F-4D97-AF65-F5344CB8AC3E}">
-        <p14:creationId xmlns:p14="http://schemas.microsoft.com/office/powerpoint/2010/main" val="3946875920"/>
+        <p14:creationId xmlns:p14="http://schemas.microsoft.com/office/powerpoint/2010/main" val="3804543803"/>
       </p:ext>
     </p:extLst>
   </p:cSld>
@@ -1346,8 +1950,8 @@
         </p:nvSpPr>
         <p:spPr>
           <a:xfrm>
-            <a:off x="1679467" y="689597"/>
-            <a:ext cx="21029831" cy="2503534"/>
+            <a:off x="1679467" y="730251"/>
+            <a:ext cx="21029831" cy="2651126"/>
           </a:xfrm>
         </p:spPr>
         <p:txBody>
@@ -1374,8 +1978,8 @@
         </p:nvSpPr>
         <p:spPr>
           <a:xfrm>
-            <a:off x="1679467" y="3175141"/>
-            <a:ext cx="10314903" cy="1556088"/>
+            <a:off x="1679467" y="3362326"/>
+            <a:ext cx="10314903" cy="1647824"/>
           </a:xfrm>
         </p:spPr>
         <p:txBody>
@@ -1383,39 +1987,39 @@
           <a:lstStyle>
             <a:lvl1pPr marL="0" indent="0">
               <a:buNone/>
-              <a:defRPr sz="4533" b="1"/>
+              <a:defRPr sz="4800" b="1"/>
             </a:lvl1pPr>
-            <a:lvl2pPr marL="863514" indent="0">
-              <a:buNone/>
-              <a:defRPr sz="3777" b="1"/>
+            <a:lvl2pPr marL="914354" indent="0">
+              <a:buNone/>
+              <a:defRPr sz="4000" b="1"/>
             </a:lvl2pPr>
-            <a:lvl3pPr marL="1727027" indent="0">
-              <a:buNone/>
-              <a:defRPr sz="3400" b="1"/>
+            <a:lvl3pPr marL="1828709" indent="0">
+              <a:buNone/>
+              <a:defRPr sz="3600" b="1"/>
             </a:lvl3pPr>
-            <a:lvl4pPr marL="2590541" indent="0">
-              <a:buNone/>
-              <a:defRPr sz="3022" b="1"/>
+            <a:lvl4pPr marL="2743063" indent="0">
+              <a:buNone/>
+              <a:defRPr sz="3200" b="1"/>
             </a:lvl4pPr>
-            <a:lvl5pPr marL="3454055" indent="0">
-              <a:buNone/>
-              <a:defRPr sz="3022" b="1"/>
+            <a:lvl5pPr marL="3657417" indent="0">
+              <a:buNone/>
+              <a:defRPr sz="3200" b="1"/>
             </a:lvl5pPr>
-            <a:lvl6pPr marL="4317568" indent="0">
-              <a:buNone/>
-              <a:defRPr sz="3022" b="1"/>
+            <a:lvl6pPr marL="4571771" indent="0">
+              <a:buNone/>
+              <a:defRPr sz="3200" b="1"/>
             </a:lvl6pPr>
-            <a:lvl7pPr marL="5181082" indent="0">
-              <a:buNone/>
-              <a:defRPr sz="3022" b="1"/>
+            <a:lvl7pPr marL="5486126" indent="0">
+              <a:buNone/>
+              <a:defRPr sz="3200" b="1"/>
             </a:lvl7pPr>
-            <a:lvl8pPr marL="6044595" indent="0">
-              <a:buNone/>
-              <a:defRPr sz="3022" b="1"/>
+            <a:lvl8pPr marL="6400480" indent="0">
+              <a:buNone/>
+              <a:defRPr sz="3200" b="1"/>
             </a:lvl8pPr>
-            <a:lvl9pPr marL="6908109" indent="0">
-              <a:buNone/>
-              <a:defRPr sz="3022" b="1"/>
+            <a:lvl9pPr marL="7314834" indent="0">
+              <a:buNone/>
+              <a:defRPr sz="3200" b="1"/>
             </a:lvl9pPr>
           </a:lstStyle>
           <a:p>
@@ -1439,8 +2043,8 @@
         </p:nvSpPr>
         <p:spPr>
           <a:xfrm>
-            <a:off x="1679467" y="4731228"/>
-            <a:ext cx="10314903" cy="6958925"/>
+            <a:off x="1679467" y="5010150"/>
+            <a:ext cx="10314903" cy="7369176"/>
           </a:xfrm>
         </p:spPr>
         <p:txBody>
@@ -1496,8 +2100,8 @@
         </p:nvSpPr>
         <p:spPr>
           <a:xfrm>
-            <a:off x="12343597" y="3175141"/>
-            <a:ext cx="10365701" cy="1556088"/>
+            <a:off x="12343597" y="3362326"/>
+            <a:ext cx="10365701" cy="1647824"/>
           </a:xfrm>
         </p:spPr>
         <p:txBody>
@@ -1505,39 +2109,39 @@
           <a:lstStyle>
             <a:lvl1pPr marL="0" indent="0">
               <a:buNone/>
-              <a:defRPr sz="4533" b="1"/>
+              <a:defRPr sz="4800" b="1"/>
             </a:lvl1pPr>
-            <a:lvl2pPr marL="863514" indent="0">
-              <a:buNone/>
-              <a:defRPr sz="3777" b="1"/>
+            <a:lvl2pPr marL="914354" indent="0">
+              <a:buNone/>
+              <a:defRPr sz="4000" b="1"/>
             </a:lvl2pPr>
-            <a:lvl3pPr marL="1727027" indent="0">
-              <a:buNone/>
-              <a:defRPr sz="3400" b="1"/>
+            <a:lvl3pPr marL="1828709" indent="0">
+              <a:buNone/>
+              <a:defRPr sz="3600" b="1"/>
             </a:lvl3pPr>
-            <a:lvl4pPr marL="2590541" indent="0">
-              <a:buNone/>
-              <a:defRPr sz="3022" b="1"/>
+            <a:lvl4pPr marL="2743063" indent="0">
+              <a:buNone/>
+              <a:defRPr sz="3200" b="1"/>
             </a:lvl4pPr>
-            <a:lvl5pPr marL="3454055" indent="0">
-              <a:buNone/>
-              <a:defRPr sz="3022" b="1"/>
+            <a:lvl5pPr marL="3657417" indent="0">
+              <a:buNone/>
+              <a:defRPr sz="3200" b="1"/>
             </a:lvl5pPr>
-            <a:lvl6pPr marL="4317568" indent="0">
-              <a:buNone/>
-              <a:defRPr sz="3022" b="1"/>
+            <a:lvl6pPr marL="4571771" indent="0">
+              <a:buNone/>
+              <a:defRPr sz="3200" b="1"/>
             </a:lvl6pPr>
-            <a:lvl7pPr marL="5181082" indent="0">
-              <a:buNone/>
-              <a:defRPr sz="3022" b="1"/>
+            <a:lvl7pPr marL="5486126" indent="0">
+              <a:buNone/>
+              <a:defRPr sz="3200" b="1"/>
             </a:lvl7pPr>
-            <a:lvl8pPr marL="6044595" indent="0">
-              <a:buNone/>
-              <a:defRPr sz="3022" b="1"/>
+            <a:lvl8pPr marL="6400480" indent="0">
+              <a:buNone/>
+              <a:defRPr sz="3200" b="1"/>
             </a:lvl8pPr>
-            <a:lvl9pPr marL="6908109" indent="0">
-              <a:buNone/>
-              <a:defRPr sz="3022" b="1"/>
+            <a:lvl9pPr marL="7314834" indent="0">
+              <a:buNone/>
+              <a:defRPr sz="3200" b="1"/>
             </a:lvl9pPr>
           </a:lstStyle>
           <a:p>
@@ -1561,8 +2165,8 @@
         </p:nvSpPr>
         <p:spPr>
           <a:xfrm>
-            <a:off x="12343597" y="4731228"/>
-            <a:ext cx="10365701" cy="6958925"/>
+            <a:off x="12343597" y="5010150"/>
+            <a:ext cx="10365701" cy="7369176"/>
           </a:xfrm>
         </p:spPr>
         <p:txBody>
@@ -1674,7 +2278,7 @@
     </p:spTree>
     <p:extLst>
       <p:ext uri="{BB962C8B-B14F-4D97-AF65-F5344CB8AC3E}">
-        <p14:creationId xmlns:p14="http://schemas.microsoft.com/office/powerpoint/2010/main" val="2666722206"/>
+        <p14:creationId xmlns:p14="http://schemas.microsoft.com/office/powerpoint/2010/main" val="2925865046"/>
       </p:ext>
     </p:extLst>
   </p:cSld>
@@ -1792,7 +2396,7 @@
     </p:spTree>
     <p:extLst>
       <p:ext uri="{BB962C8B-B14F-4D97-AF65-F5344CB8AC3E}">
-        <p14:creationId xmlns:p14="http://schemas.microsoft.com/office/powerpoint/2010/main" val="2072853882"/>
+        <p14:creationId xmlns:p14="http://schemas.microsoft.com/office/powerpoint/2010/main" val="3634456616"/>
       </p:ext>
     </p:extLst>
   </p:cSld>
@@ -1887,7 +2491,7 @@
     </p:spTree>
     <p:extLst>
       <p:ext uri="{BB962C8B-B14F-4D97-AF65-F5344CB8AC3E}">
-        <p14:creationId xmlns:p14="http://schemas.microsoft.com/office/powerpoint/2010/main" val="977819378"/>
+        <p14:creationId xmlns:p14="http://schemas.microsoft.com/office/powerpoint/2010/main" val="2392293151"/>
       </p:ext>
     </p:extLst>
   </p:cSld>
@@ -1926,15 +2530,15 @@
         </p:nvSpPr>
         <p:spPr>
           <a:xfrm>
-            <a:off x="1679468" y="863494"/>
-            <a:ext cx="7863962" cy="3022230"/>
+            <a:off x="1679468" y="914400"/>
+            <a:ext cx="7863962" cy="3200400"/>
           </a:xfrm>
         </p:spPr>
         <p:txBody>
           <a:bodyPr anchor="b"/>
           <a:lstStyle>
             <a:lvl1pPr>
-              <a:defRPr sz="6044"/>
+              <a:defRPr sz="6400"/>
             </a:lvl1pPr>
           </a:lstStyle>
           <a:p>
@@ -1958,39 +2562,39 @@
         </p:nvSpPr>
         <p:spPr>
           <a:xfrm>
-            <a:off x="10365701" y="1864909"/>
-            <a:ext cx="12343597" cy="9204608"/>
+            <a:off x="10365701" y="1974851"/>
+            <a:ext cx="12343597" cy="9747250"/>
           </a:xfrm>
         </p:spPr>
         <p:txBody>
           <a:bodyPr/>
           <a:lstStyle>
             <a:lvl1pPr>
-              <a:defRPr sz="6044"/>
+              <a:defRPr sz="6400"/>
             </a:lvl1pPr>
             <a:lvl2pPr>
-              <a:defRPr sz="5288"/>
+              <a:defRPr sz="5600"/>
             </a:lvl2pPr>
             <a:lvl3pPr>
-              <a:defRPr sz="4533"/>
+              <a:defRPr sz="4800"/>
             </a:lvl3pPr>
             <a:lvl4pPr>
-              <a:defRPr sz="3777"/>
+              <a:defRPr sz="4000"/>
             </a:lvl4pPr>
             <a:lvl5pPr>
-              <a:defRPr sz="3777"/>
+              <a:defRPr sz="4000"/>
             </a:lvl5pPr>
             <a:lvl6pPr>
-              <a:defRPr sz="3777"/>
+              <a:defRPr sz="4000"/>
             </a:lvl6pPr>
             <a:lvl7pPr>
-              <a:defRPr sz="3777"/>
+              <a:defRPr sz="4000"/>
             </a:lvl7pPr>
             <a:lvl8pPr>
-              <a:defRPr sz="3777"/>
+              <a:defRPr sz="4000"/>
             </a:lvl8pPr>
             <a:lvl9pPr>
-              <a:defRPr sz="3777"/>
+              <a:defRPr sz="4000"/>
             </a:lvl9pPr>
           </a:lstStyle>
           <a:p>
@@ -2043,8 +2647,8 @@
         </p:nvSpPr>
         <p:spPr>
           <a:xfrm>
-            <a:off x="1679468" y="3885724"/>
-            <a:ext cx="7863962" cy="7198784"/>
+            <a:off x="1679468" y="4114800"/>
+            <a:ext cx="7863962" cy="7623176"/>
           </a:xfrm>
         </p:spPr>
         <p:txBody>
@@ -2052,39 +2656,39 @@
           <a:lstStyle>
             <a:lvl1pPr marL="0" indent="0">
               <a:buNone/>
-              <a:defRPr sz="3022"/>
+              <a:defRPr sz="3200"/>
             </a:lvl1pPr>
-            <a:lvl2pPr marL="863514" indent="0">
-              <a:buNone/>
-              <a:defRPr sz="2644"/>
+            <a:lvl2pPr marL="914354" indent="0">
+              <a:buNone/>
+              <a:defRPr sz="2800"/>
             </a:lvl2pPr>
-            <a:lvl3pPr marL="1727027" indent="0">
-              <a:buNone/>
-              <a:defRPr sz="2266"/>
+            <a:lvl3pPr marL="1828709" indent="0">
+              <a:buNone/>
+              <a:defRPr sz="2400"/>
             </a:lvl3pPr>
-            <a:lvl4pPr marL="2590541" indent="0">
-              <a:buNone/>
-              <a:defRPr sz="1889"/>
+            <a:lvl4pPr marL="2743063" indent="0">
+              <a:buNone/>
+              <a:defRPr sz="2000"/>
             </a:lvl4pPr>
-            <a:lvl5pPr marL="3454055" indent="0">
-              <a:buNone/>
-              <a:defRPr sz="1889"/>
+            <a:lvl5pPr marL="3657417" indent="0">
+              <a:buNone/>
+              <a:defRPr sz="2000"/>
             </a:lvl5pPr>
-            <a:lvl6pPr marL="4317568" indent="0">
-              <a:buNone/>
-              <a:defRPr sz="1889"/>
+            <a:lvl6pPr marL="4571771" indent="0">
+              <a:buNone/>
+              <a:defRPr sz="2000"/>
             </a:lvl6pPr>
-            <a:lvl7pPr marL="5181082" indent="0">
-              <a:buNone/>
-              <a:defRPr sz="1889"/>
+            <a:lvl7pPr marL="5486126" indent="0">
+              <a:buNone/>
+              <a:defRPr sz="2000"/>
             </a:lvl7pPr>
-            <a:lvl8pPr marL="6044595" indent="0">
-              <a:buNone/>
-              <a:defRPr sz="1889"/>
+            <a:lvl8pPr marL="6400480" indent="0">
+              <a:buNone/>
+              <a:defRPr sz="2000"/>
             </a:lvl8pPr>
-            <a:lvl9pPr marL="6908109" indent="0">
-              <a:buNone/>
-              <a:defRPr sz="1889"/>
+            <a:lvl9pPr marL="7314834" indent="0">
+              <a:buNone/>
+              <a:defRPr sz="2000"/>
             </a:lvl9pPr>
           </a:lstStyle>
           <a:p>
@@ -2164,7 +2768,7 @@
     </p:spTree>
     <p:extLst>
       <p:ext uri="{BB962C8B-B14F-4D97-AF65-F5344CB8AC3E}">
-        <p14:creationId xmlns:p14="http://schemas.microsoft.com/office/powerpoint/2010/main" val="3145755915"/>
+        <p14:creationId xmlns:p14="http://schemas.microsoft.com/office/powerpoint/2010/main" val="230225420"/>
       </p:ext>
     </p:extLst>
   </p:cSld>
@@ -2203,15 +2807,15 @@
         </p:nvSpPr>
         <p:spPr>
           <a:xfrm>
-            <a:off x="1679468" y="863494"/>
-            <a:ext cx="7863962" cy="3022230"/>
+            <a:off x="1679468" y="914400"/>
+            <a:ext cx="7863962" cy="3200400"/>
           </a:xfrm>
         </p:spPr>
         <p:txBody>
           <a:bodyPr anchor="b"/>
           <a:lstStyle>
             <a:lvl1pPr>
-              <a:defRPr sz="6044"/>
+              <a:defRPr sz="6400"/>
             </a:lvl1pPr>
           </a:lstStyle>
           <a:p>
@@ -2235,8 +2839,8 @@
         </p:nvSpPr>
         <p:spPr>
           <a:xfrm>
-            <a:off x="10365701" y="1864909"/>
-            <a:ext cx="12343597" cy="9204608"/>
+            <a:off x="10365701" y="1974851"/>
+            <a:ext cx="12343597" cy="9747250"/>
           </a:xfrm>
         </p:spPr>
         <p:txBody>
@@ -2244,39 +2848,39 @@
           <a:lstStyle>
             <a:lvl1pPr marL="0" indent="0">
               <a:buNone/>
-              <a:defRPr sz="6044"/>
+              <a:defRPr sz="6400"/>
             </a:lvl1pPr>
-            <a:lvl2pPr marL="863514" indent="0">
-              <a:buNone/>
-              <a:defRPr sz="5288"/>
+            <a:lvl2pPr marL="914354" indent="0">
+              <a:buNone/>
+              <a:defRPr sz="5600"/>
             </a:lvl2pPr>
-            <a:lvl3pPr marL="1727027" indent="0">
-              <a:buNone/>
-              <a:defRPr sz="4533"/>
+            <a:lvl3pPr marL="1828709" indent="0">
+              <a:buNone/>
+              <a:defRPr sz="4800"/>
             </a:lvl3pPr>
-            <a:lvl4pPr marL="2590541" indent="0">
-              <a:buNone/>
-              <a:defRPr sz="3777"/>
+            <a:lvl4pPr marL="2743063" indent="0">
+              <a:buNone/>
+              <a:defRPr sz="4000"/>
             </a:lvl4pPr>
-            <a:lvl5pPr marL="3454055" indent="0">
-              <a:buNone/>
-              <a:defRPr sz="3777"/>
+            <a:lvl5pPr marL="3657417" indent="0">
+              <a:buNone/>
+              <a:defRPr sz="4000"/>
             </a:lvl5pPr>
-            <a:lvl6pPr marL="4317568" indent="0">
-              <a:buNone/>
-              <a:defRPr sz="3777"/>
+            <a:lvl6pPr marL="4571771" indent="0">
+              <a:buNone/>
+              <a:defRPr sz="4000"/>
             </a:lvl6pPr>
-            <a:lvl7pPr marL="5181082" indent="0">
-              <a:buNone/>
-              <a:defRPr sz="3777"/>
+            <a:lvl7pPr marL="5486126" indent="0">
+              <a:buNone/>
+              <a:defRPr sz="4000"/>
             </a:lvl7pPr>
-            <a:lvl8pPr marL="6044595" indent="0">
-              <a:buNone/>
-              <a:defRPr sz="3777"/>
+            <a:lvl8pPr marL="6400480" indent="0">
+              <a:buNone/>
+              <a:defRPr sz="4000"/>
             </a:lvl8pPr>
-            <a:lvl9pPr marL="6908109" indent="0">
-              <a:buNone/>
-              <a:defRPr sz="3777"/>
+            <a:lvl9pPr marL="7314834" indent="0">
+              <a:buNone/>
+              <a:defRPr sz="4000"/>
             </a:lvl9pPr>
           </a:lstStyle>
           <a:p>
@@ -2300,8 +2904,8 @@
         </p:nvSpPr>
         <p:spPr>
           <a:xfrm>
-            <a:off x="1679468" y="3885724"/>
-            <a:ext cx="7863962" cy="7198784"/>
+            <a:off x="1679468" y="4114800"/>
+            <a:ext cx="7863962" cy="7623176"/>
           </a:xfrm>
         </p:spPr>
         <p:txBody>
@@ -2309,39 +2913,39 @@
           <a:lstStyle>
             <a:lvl1pPr marL="0" indent="0">
               <a:buNone/>
-              <a:defRPr sz="3022"/>
+              <a:defRPr sz="3200"/>
             </a:lvl1pPr>
-            <a:lvl2pPr marL="863514" indent="0">
-              <a:buNone/>
-              <a:defRPr sz="2644"/>
+            <a:lvl2pPr marL="914354" indent="0">
+              <a:buNone/>
+              <a:defRPr sz="2800"/>
             </a:lvl2pPr>
-            <a:lvl3pPr marL="1727027" indent="0">
-              <a:buNone/>
-              <a:defRPr sz="2266"/>
+            <a:lvl3pPr marL="1828709" indent="0">
+              <a:buNone/>
+              <a:defRPr sz="2400"/>
             </a:lvl3pPr>
-            <a:lvl4pPr marL="2590541" indent="0">
-              <a:buNone/>
-              <a:defRPr sz="1889"/>
+            <a:lvl4pPr marL="2743063" indent="0">
+              <a:buNone/>
+              <a:defRPr sz="2000"/>
             </a:lvl4pPr>
-            <a:lvl5pPr marL="3454055" indent="0">
-              <a:buNone/>
-              <a:defRPr sz="1889"/>
+            <a:lvl5pPr marL="3657417" indent="0">
+              <a:buNone/>
+              <a:defRPr sz="2000"/>
             </a:lvl5pPr>
-            <a:lvl6pPr marL="4317568" indent="0">
-              <a:buNone/>
-              <a:defRPr sz="1889"/>
+            <a:lvl6pPr marL="4571771" indent="0">
+              <a:buNone/>
+              <a:defRPr sz="2000"/>
             </a:lvl6pPr>
-            <a:lvl7pPr marL="5181082" indent="0">
-              <a:buNone/>
-              <a:defRPr sz="1889"/>
+            <a:lvl7pPr marL="5486126" indent="0">
+              <a:buNone/>
+              <a:defRPr sz="2000"/>
             </a:lvl7pPr>
-            <a:lvl8pPr marL="6044595" indent="0">
-              <a:buNone/>
-              <a:defRPr sz="1889"/>
+            <a:lvl8pPr marL="6400480" indent="0">
+              <a:buNone/>
+              <a:defRPr sz="2000"/>
             </a:lvl8pPr>
-            <a:lvl9pPr marL="6908109" indent="0">
-              <a:buNone/>
-              <a:defRPr sz="1889"/>
+            <a:lvl9pPr marL="7314834" indent="0">
+              <a:buNone/>
+              <a:defRPr sz="2000"/>
             </a:lvl9pPr>
           </a:lstStyle>
           <a:p>
@@ -2421,7 +3025,7 @@
     </p:spTree>
     <p:extLst>
       <p:ext uri="{BB962C8B-B14F-4D97-AF65-F5344CB8AC3E}">
-        <p14:creationId xmlns:p14="http://schemas.microsoft.com/office/powerpoint/2010/main" val="2986368735"/>
+        <p14:creationId xmlns:p14="http://schemas.microsoft.com/office/powerpoint/2010/main" val="1422868922"/>
       </p:ext>
     </p:extLst>
   </p:cSld>
@@ -2465,8 +3069,8 @@
         </p:nvSpPr>
         <p:spPr>
           <a:xfrm>
-            <a:off x="1676291" y="689597"/>
-            <a:ext cx="21029831" cy="2503534"/>
+            <a:off x="1676291" y="730251"/>
+            <a:ext cx="21029831" cy="2651126"/>
           </a:xfrm>
           <a:prstGeom prst="rect">
             <a:avLst/>
@@ -2498,8 +3102,8 @@
         </p:nvSpPr>
         <p:spPr>
           <a:xfrm>
-            <a:off x="1676291" y="3447980"/>
-            <a:ext cx="21029831" cy="8218187"/>
+            <a:off x="1676291" y="3651250"/>
+            <a:ext cx="21029831" cy="8702676"/>
           </a:xfrm>
           <a:prstGeom prst="rect">
             <a:avLst/>
@@ -2560,8 +3164,8 @@
         </p:nvSpPr>
         <p:spPr>
           <a:xfrm>
-            <a:off x="1676291" y="12004969"/>
-            <a:ext cx="5486043" cy="689596"/>
+            <a:off x="1676291" y="12712701"/>
+            <a:ext cx="5486043" cy="730250"/>
           </a:xfrm>
           <a:prstGeom prst="rect">
             <a:avLst/>
@@ -2571,7 +3175,7 @@
           <a:bodyPr vert="horz" lIns="91440" tIns="45720" rIns="91440" bIns="45720" rtlCol="0" anchor="ctr"/>
           <a:lstStyle>
             <a:lvl1pPr algn="l">
-              <a:defRPr sz="2266">
+              <a:defRPr sz="2400">
                 <a:solidFill>
                   <a:schemeClr val="tx1">
                     <a:tint val="75000"/>
@@ -2601,8 +3205,8 @@
         </p:nvSpPr>
         <p:spPr>
           <a:xfrm>
-            <a:off x="8076675" y="12004969"/>
-            <a:ext cx="8229064" cy="689596"/>
+            <a:off x="8076675" y="12712701"/>
+            <a:ext cx="8229064" cy="730250"/>
           </a:xfrm>
           <a:prstGeom prst="rect">
             <a:avLst/>
@@ -2612,7 +3216,7 @@
           <a:bodyPr vert="horz" lIns="91440" tIns="45720" rIns="91440" bIns="45720" rtlCol="0" anchor="ctr"/>
           <a:lstStyle>
             <a:lvl1pPr algn="ctr">
-              <a:defRPr sz="2266">
+              <a:defRPr sz="2400">
                 <a:solidFill>
                   <a:schemeClr val="tx1">
                     <a:tint val="75000"/>
@@ -2638,8 +3242,8 @@
         </p:nvSpPr>
         <p:spPr>
           <a:xfrm>
-            <a:off x="17220079" y="12004969"/>
-            <a:ext cx="5486043" cy="689596"/>
+            <a:off x="17220079" y="12712701"/>
+            <a:ext cx="5486043" cy="730250"/>
           </a:xfrm>
           <a:prstGeom prst="rect">
             <a:avLst/>
@@ -2649,7 +3253,7 @@
           <a:bodyPr vert="horz" lIns="91440" tIns="45720" rIns="91440" bIns="45720" rtlCol="0" anchor="ctr"/>
           <a:lstStyle>
             <a:lvl1pPr algn="r">
-              <a:defRPr sz="2266">
+              <a:defRPr sz="2400">
                 <a:solidFill>
                   <a:schemeClr val="tx1">
                     <a:tint val="75000"/>
@@ -2670,27 +3274,27 @@
     </p:spTree>
     <p:extLst>
       <p:ext uri="{BB962C8B-B14F-4D97-AF65-F5344CB8AC3E}">
-        <p14:creationId xmlns:p14="http://schemas.microsoft.com/office/powerpoint/2010/main" val="1500302487"/>
+        <p14:creationId xmlns:p14="http://schemas.microsoft.com/office/powerpoint/2010/main" val="3953060672"/>
       </p:ext>
     </p:extLst>
   </p:cSld>
   <p:clrMap bg1="lt1" tx1="dk1" bg2="lt2" tx2="dk2" accent1="accent1" accent2="accent2" accent3="accent3" accent4="accent4" accent5="accent5" accent6="accent6" hlink="hlink" folHlink="folHlink"/>
   <p:sldLayoutIdLst>
-    <p:sldLayoutId id="2147483661" r:id="rId1"/>
-    <p:sldLayoutId id="2147483662" r:id="rId2"/>
-    <p:sldLayoutId id="2147483663" r:id="rId3"/>
-    <p:sldLayoutId id="2147483664" r:id="rId4"/>
-    <p:sldLayoutId id="2147483665" r:id="rId5"/>
-    <p:sldLayoutId id="2147483666" r:id="rId6"/>
-    <p:sldLayoutId id="2147483667" r:id="rId7"/>
-    <p:sldLayoutId id="2147483668" r:id="rId8"/>
-    <p:sldLayoutId id="2147483669" r:id="rId9"/>
-    <p:sldLayoutId id="2147483670" r:id="rId10"/>
-    <p:sldLayoutId id="2147483671" r:id="rId11"/>
+    <p:sldLayoutId id="2147483673" r:id="rId1"/>
+    <p:sldLayoutId id="2147483674" r:id="rId2"/>
+    <p:sldLayoutId id="2147483675" r:id="rId3"/>
+    <p:sldLayoutId id="2147483676" r:id="rId4"/>
+    <p:sldLayoutId id="2147483677" r:id="rId5"/>
+    <p:sldLayoutId id="2147483678" r:id="rId6"/>
+    <p:sldLayoutId id="2147483679" r:id="rId7"/>
+    <p:sldLayoutId id="2147483680" r:id="rId8"/>
+    <p:sldLayoutId id="2147483681" r:id="rId9"/>
+    <p:sldLayoutId id="2147483682" r:id="rId10"/>
+    <p:sldLayoutId id="2147483683" r:id="rId11"/>
   </p:sldLayoutIdLst>
   <p:txStyles>
     <p:titleStyle>
-      <a:lvl1pPr algn="l" defTabSz="1727027" rtl="0" eaLnBrk="1" latinLnBrk="0" hangingPunct="1">
+      <a:lvl1pPr algn="l" defTabSz="1828709" rtl="0" eaLnBrk="1" latinLnBrk="0" hangingPunct="1">
         <a:lnSpc>
           <a:spcPct val="90000"/>
         </a:lnSpc>
@@ -2698,7 +3302,7 @@
           <a:spcPct val="0"/>
         </a:spcBef>
         <a:buNone/>
-        <a:defRPr sz="8310" kern="1200">
+        <a:defRPr sz="8800" kern="1200">
           <a:solidFill>
             <a:schemeClr val="tx1"/>
           </a:solidFill>
@@ -2709,16 +3313,16 @@
       </a:lvl1pPr>
     </p:titleStyle>
     <p:bodyStyle>
-      <a:lvl1pPr marL="431757" indent="-431757" algn="l" defTabSz="1727027" rtl="0" eaLnBrk="1" latinLnBrk="0" hangingPunct="1">
+      <a:lvl1pPr marL="457177" indent="-457177" algn="l" defTabSz="1828709" rtl="0" eaLnBrk="1" latinLnBrk="0" hangingPunct="1">
         <a:lnSpc>
           <a:spcPct val="90000"/>
         </a:lnSpc>
         <a:spcBef>
-          <a:spcPts val="1889"/>
+          <a:spcPts val="2000"/>
         </a:spcBef>
         <a:buFont typeface="Arial" panose="020B0604020202020204" pitchFamily="34" charset="0"/>
         <a:buChar char="•"/>
-        <a:defRPr sz="5288" kern="1200">
+        <a:defRPr sz="5600" kern="1200">
           <a:solidFill>
             <a:schemeClr val="tx1"/>
           </a:solidFill>
@@ -2727,16 +3331,16 @@
           <a:cs typeface="+mn-cs"/>
         </a:defRPr>
       </a:lvl1pPr>
-      <a:lvl2pPr marL="1295270" indent="-431757" algn="l" defTabSz="1727027" rtl="0" eaLnBrk="1" latinLnBrk="0" hangingPunct="1">
+      <a:lvl2pPr marL="1371531" indent="-457177" algn="l" defTabSz="1828709" rtl="0" eaLnBrk="1" latinLnBrk="0" hangingPunct="1">
         <a:lnSpc>
           <a:spcPct val="90000"/>
         </a:lnSpc>
         <a:spcBef>
-          <a:spcPts val="944"/>
+          <a:spcPts val="1000"/>
         </a:spcBef>
         <a:buFont typeface="Arial" panose="020B0604020202020204" pitchFamily="34" charset="0"/>
         <a:buChar char="•"/>
-        <a:defRPr sz="4533" kern="1200">
+        <a:defRPr sz="4800" kern="1200">
           <a:solidFill>
             <a:schemeClr val="tx1"/>
           </a:solidFill>
@@ -2745,16 +3349,16 @@
           <a:cs typeface="+mn-cs"/>
         </a:defRPr>
       </a:lvl2pPr>
-      <a:lvl3pPr marL="2158784" indent="-431757" algn="l" defTabSz="1727027" rtl="0" eaLnBrk="1" latinLnBrk="0" hangingPunct="1">
+      <a:lvl3pPr marL="2285886" indent="-457177" algn="l" defTabSz="1828709" rtl="0" eaLnBrk="1" latinLnBrk="0" hangingPunct="1">
         <a:lnSpc>
           <a:spcPct val="90000"/>
         </a:lnSpc>
         <a:spcBef>
-          <a:spcPts val="944"/>
+          <a:spcPts val="1000"/>
         </a:spcBef>
         <a:buFont typeface="Arial" panose="020B0604020202020204" pitchFamily="34" charset="0"/>
         <a:buChar char="•"/>
-        <a:defRPr sz="3777" kern="1200">
+        <a:defRPr sz="4000" kern="1200">
           <a:solidFill>
             <a:schemeClr val="tx1"/>
           </a:solidFill>
@@ -2763,16 +3367,16 @@
           <a:cs typeface="+mn-cs"/>
         </a:defRPr>
       </a:lvl3pPr>
-      <a:lvl4pPr marL="3022298" indent="-431757" algn="l" defTabSz="1727027" rtl="0" eaLnBrk="1" latinLnBrk="0" hangingPunct="1">
+      <a:lvl4pPr marL="3200240" indent="-457177" algn="l" defTabSz="1828709" rtl="0" eaLnBrk="1" latinLnBrk="0" hangingPunct="1">
         <a:lnSpc>
           <a:spcPct val="90000"/>
         </a:lnSpc>
         <a:spcBef>
-          <a:spcPts val="944"/>
+          <a:spcPts val="1000"/>
         </a:spcBef>
         <a:buFont typeface="Arial" panose="020B0604020202020204" pitchFamily="34" charset="0"/>
         <a:buChar char="•"/>
-        <a:defRPr sz="3400" kern="1200">
+        <a:defRPr sz="3600" kern="1200">
           <a:solidFill>
             <a:schemeClr val="tx1"/>
           </a:solidFill>
@@ -2781,16 +3385,16 @@
           <a:cs typeface="+mn-cs"/>
         </a:defRPr>
       </a:lvl4pPr>
-      <a:lvl5pPr marL="3885811" indent="-431757" algn="l" defTabSz="1727027" rtl="0" eaLnBrk="1" latinLnBrk="0" hangingPunct="1">
+      <a:lvl5pPr marL="4114594" indent="-457177" algn="l" defTabSz="1828709" rtl="0" eaLnBrk="1" latinLnBrk="0" hangingPunct="1">
         <a:lnSpc>
           <a:spcPct val="90000"/>
         </a:lnSpc>
         <a:spcBef>
-          <a:spcPts val="944"/>
+          <a:spcPts val="1000"/>
         </a:spcBef>
         <a:buFont typeface="Arial" panose="020B0604020202020204" pitchFamily="34" charset="0"/>
         <a:buChar char="•"/>
-        <a:defRPr sz="3400" kern="1200">
+        <a:defRPr sz="3600" kern="1200">
           <a:solidFill>
             <a:schemeClr val="tx1"/>
           </a:solidFill>
@@ -2799,16 +3403,16 @@
           <a:cs typeface="+mn-cs"/>
         </a:defRPr>
       </a:lvl5pPr>
-      <a:lvl6pPr marL="4749325" indent="-431757" algn="l" defTabSz="1727027" rtl="0" eaLnBrk="1" latinLnBrk="0" hangingPunct="1">
+      <a:lvl6pPr marL="5028949" indent="-457177" algn="l" defTabSz="1828709" rtl="0" eaLnBrk="1" latinLnBrk="0" hangingPunct="1">
         <a:lnSpc>
           <a:spcPct val="90000"/>
         </a:lnSpc>
         <a:spcBef>
-          <a:spcPts val="944"/>
+          <a:spcPts val="1000"/>
         </a:spcBef>
         <a:buFont typeface="Arial" panose="020B0604020202020204" pitchFamily="34" charset="0"/>
         <a:buChar char="•"/>
-        <a:defRPr sz="3400" kern="1200">
+        <a:defRPr sz="3600" kern="1200">
           <a:solidFill>
             <a:schemeClr val="tx1"/>
           </a:solidFill>
@@ -2817,16 +3421,16 @@
           <a:cs typeface="+mn-cs"/>
         </a:defRPr>
       </a:lvl6pPr>
-      <a:lvl7pPr marL="5612839" indent="-431757" algn="l" defTabSz="1727027" rtl="0" eaLnBrk="1" latinLnBrk="0" hangingPunct="1">
+      <a:lvl7pPr marL="5943303" indent="-457177" algn="l" defTabSz="1828709" rtl="0" eaLnBrk="1" latinLnBrk="0" hangingPunct="1">
         <a:lnSpc>
           <a:spcPct val="90000"/>
         </a:lnSpc>
         <a:spcBef>
-          <a:spcPts val="944"/>
+          <a:spcPts val="1000"/>
         </a:spcBef>
         <a:buFont typeface="Arial" panose="020B0604020202020204" pitchFamily="34" charset="0"/>
         <a:buChar char="•"/>
-        <a:defRPr sz="3400" kern="1200">
+        <a:defRPr sz="3600" kern="1200">
           <a:solidFill>
             <a:schemeClr val="tx1"/>
           </a:solidFill>
@@ -2835,16 +3439,16 @@
           <a:cs typeface="+mn-cs"/>
         </a:defRPr>
       </a:lvl7pPr>
-      <a:lvl8pPr marL="6476352" indent="-431757" algn="l" defTabSz="1727027" rtl="0" eaLnBrk="1" latinLnBrk="0" hangingPunct="1">
+      <a:lvl8pPr marL="6857657" indent="-457177" algn="l" defTabSz="1828709" rtl="0" eaLnBrk="1" latinLnBrk="0" hangingPunct="1">
         <a:lnSpc>
           <a:spcPct val="90000"/>
         </a:lnSpc>
         <a:spcBef>
-          <a:spcPts val="944"/>
+          <a:spcPts val="1000"/>
         </a:spcBef>
         <a:buFont typeface="Arial" panose="020B0604020202020204" pitchFamily="34" charset="0"/>
         <a:buChar char="•"/>
-        <a:defRPr sz="3400" kern="1200">
+        <a:defRPr sz="3600" kern="1200">
           <a:solidFill>
             <a:schemeClr val="tx1"/>
           </a:solidFill>
@@ -2853,16 +3457,16 @@
           <a:cs typeface="+mn-cs"/>
         </a:defRPr>
       </a:lvl8pPr>
-      <a:lvl9pPr marL="7339866" indent="-431757" algn="l" defTabSz="1727027" rtl="0" eaLnBrk="1" latinLnBrk="0" hangingPunct="1">
+      <a:lvl9pPr marL="7772011" indent="-457177" algn="l" defTabSz="1828709" rtl="0" eaLnBrk="1" latinLnBrk="0" hangingPunct="1">
         <a:lnSpc>
           <a:spcPct val="90000"/>
         </a:lnSpc>
         <a:spcBef>
-          <a:spcPts val="944"/>
+          <a:spcPts val="1000"/>
         </a:spcBef>
         <a:buFont typeface="Arial" panose="020B0604020202020204" pitchFamily="34" charset="0"/>
         <a:buChar char="•"/>
-        <a:defRPr sz="3400" kern="1200">
+        <a:defRPr sz="3600" kern="1200">
           <a:solidFill>
             <a:schemeClr val="tx1"/>
           </a:solidFill>
@@ -2876,8 +3480,8 @@
       <a:defPPr>
         <a:defRPr lang="en-US"/>
       </a:defPPr>
-      <a:lvl1pPr marL="0" algn="l" defTabSz="1727027" rtl="0" eaLnBrk="1" latinLnBrk="0" hangingPunct="1">
-        <a:defRPr sz="3400" kern="1200">
+      <a:lvl1pPr marL="0" algn="l" defTabSz="1828709" rtl="0" eaLnBrk="1" latinLnBrk="0" hangingPunct="1">
+        <a:defRPr sz="3600" kern="1200">
           <a:solidFill>
             <a:schemeClr val="tx1"/>
           </a:solidFill>
@@ -2886,8 +3490,8 @@
           <a:cs typeface="+mn-cs"/>
         </a:defRPr>
       </a:lvl1pPr>
-      <a:lvl2pPr marL="863514" algn="l" defTabSz="1727027" rtl="0" eaLnBrk="1" latinLnBrk="0" hangingPunct="1">
-        <a:defRPr sz="3400" kern="1200">
+      <a:lvl2pPr marL="914354" algn="l" defTabSz="1828709" rtl="0" eaLnBrk="1" latinLnBrk="0" hangingPunct="1">
+        <a:defRPr sz="3600" kern="1200">
           <a:solidFill>
             <a:schemeClr val="tx1"/>
           </a:solidFill>
@@ -2896,8 +3500,8 @@
           <a:cs typeface="+mn-cs"/>
         </a:defRPr>
       </a:lvl2pPr>
-      <a:lvl3pPr marL="1727027" algn="l" defTabSz="1727027" rtl="0" eaLnBrk="1" latinLnBrk="0" hangingPunct="1">
-        <a:defRPr sz="3400" kern="1200">
+      <a:lvl3pPr marL="1828709" algn="l" defTabSz="1828709" rtl="0" eaLnBrk="1" latinLnBrk="0" hangingPunct="1">
+        <a:defRPr sz="3600" kern="1200">
           <a:solidFill>
             <a:schemeClr val="tx1"/>
           </a:solidFill>
@@ -2906,8 +3510,8 @@
           <a:cs typeface="+mn-cs"/>
         </a:defRPr>
       </a:lvl3pPr>
-      <a:lvl4pPr marL="2590541" algn="l" defTabSz="1727027" rtl="0" eaLnBrk="1" latinLnBrk="0" hangingPunct="1">
-        <a:defRPr sz="3400" kern="1200">
+      <a:lvl4pPr marL="2743063" algn="l" defTabSz="1828709" rtl="0" eaLnBrk="1" latinLnBrk="0" hangingPunct="1">
+        <a:defRPr sz="3600" kern="1200">
           <a:solidFill>
             <a:schemeClr val="tx1"/>
           </a:solidFill>
@@ -2916,8 +3520,8 @@
           <a:cs typeface="+mn-cs"/>
         </a:defRPr>
       </a:lvl4pPr>
-      <a:lvl5pPr marL="3454055" algn="l" defTabSz="1727027" rtl="0" eaLnBrk="1" latinLnBrk="0" hangingPunct="1">
-        <a:defRPr sz="3400" kern="1200">
+      <a:lvl5pPr marL="3657417" algn="l" defTabSz="1828709" rtl="0" eaLnBrk="1" latinLnBrk="0" hangingPunct="1">
+        <a:defRPr sz="3600" kern="1200">
           <a:solidFill>
             <a:schemeClr val="tx1"/>
           </a:solidFill>
@@ -2926,8 +3530,8 @@
           <a:cs typeface="+mn-cs"/>
         </a:defRPr>
       </a:lvl5pPr>
-      <a:lvl6pPr marL="4317568" algn="l" defTabSz="1727027" rtl="0" eaLnBrk="1" latinLnBrk="0" hangingPunct="1">
-        <a:defRPr sz="3400" kern="1200">
+      <a:lvl6pPr marL="4571771" algn="l" defTabSz="1828709" rtl="0" eaLnBrk="1" latinLnBrk="0" hangingPunct="1">
+        <a:defRPr sz="3600" kern="1200">
           <a:solidFill>
             <a:schemeClr val="tx1"/>
           </a:solidFill>
@@ -2936,8 +3540,8 @@
           <a:cs typeface="+mn-cs"/>
         </a:defRPr>
       </a:lvl6pPr>
-      <a:lvl7pPr marL="5181082" algn="l" defTabSz="1727027" rtl="0" eaLnBrk="1" latinLnBrk="0" hangingPunct="1">
-        <a:defRPr sz="3400" kern="1200">
+      <a:lvl7pPr marL="5486126" algn="l" defTabSz="1828709" rtl="0" eaLnBrk="1" latinLnBrk="0" hangingPunct="1">
+        <a:defRPr sz="3600" kern="1200">
           <a:solidFill>
             <a:schemeClr val="tx1"/>
           </a:solidFill>
@@ -2946,8 +3550,8 @@
           <a:cs typeface="+mn-cs"/>
         </a:defRPr>
       </a:lvl7pPr>
-      <a:lvl8pPr marL="6044595" algn="l" defTabSz="1727027" rtl="0" eaLnBrk="1" latinLnBrk="0" hangingPunct="1">
-        <a:defRPr sz="3400" kern="1200">
+      <a:lvl8pPr marL="6400480" algn="l" defTabSz="1828709" rtl="0" eaLnBrk="1" latinLnBrk="0" hangingPunct="1">
+        <a:defRPr sz="3600" kern="1200">
           <a:solidFill>
             <a:schemeClr val="tx1"/>
           </a:solidFill>
@@ -2956,8 +3560,8 @@
           <a:cs typeface="+mn-cs"/>
         </a:defRPr>
       </a:lvl8pPr>
-      <a:lvl9pPr marL="6908109" algn="l" defTabSz="1727027" rtl="0" eaLnBrk="1" latinLnBrk="0" hangingPunct="1">
-        <a:defRPr sz="3400" kern="1200">
+      <a:lvl9pPr marL="7314834" algn="l" defTabSz="1828709" rtl="0" eaLnBrk="1" latinLnBrk="0" hangingPunct="1">
+        <a:defRPr sz="3600" kern="1200">
           <a:solidFill>
             <a:schemeClr val="tx1"/>
           </a:solidFill>
@@ -2990,266 +3594,6 @@
       </p:grpSpPr>
       <p:sp>
         <p:nvSpPr>
-          <p:cNvPr id="2" name="Title 1">
-            <a:extLst>
-              <a:ext uri="{FF2B5EF4-FFF2-40B4-BE49-F238E27FC236}">
-                <a16:creationId xmlns:a16="http://schemas.microsoft.com/office/drawing/2014/main" id="{1816EEAE-25E4-E2FA-620D-DA92EEA983D6}"/>
-              </a:ext>
-            </a:extLst>
-          </p:cNvPr>
-          <p:cNvSpPr>
-            <a:spLocks noGrp="1"/>
-          </p:cNvSpPr>
-          <p:nvPr>
-            <p:ph type="ctrTitle"/>
-          </p:nvPr>
-        </p:nvSpPr>
-        <p:spPr/>
-        <p:txBody>
-          <a:bodyPr/>
-          <a:lstStyle/>
-          <a:p>
-            <a:endParaRPr lang="en-US"/>
-          </a:p>
-        </p:txBody>
-      </p:sp>
-      <p:sp>
-        <p:nvSpPr>
-          <p:cNvPr id="3" name="Subtitle 2">
-            <a:extLst>
-              <a:ext uri="{FF2B5EF4-FFF2-40B4-BE49-F238E27FC236}">
-                <a16:creationId xmlns:a16="http://schemas.microsoft.com/office/drawing/2014/main" id="{0AF123C1-E9F8-54DF-367F-03EE9EC5DD21}"/>
-              </a:ext>
-            </a:extLst>
-          </p:cNvPr>
-          <p:cNvSpPr>
-            <a:spLocks noGrp="1"/>
-          </p:cNvSpPr>
-          <p:nvPr>
-            <p:ph type="subTitle" idx="1"/>
-          </p:nvPr>
-        </p:nvSpPr>
-        <p:spPr/>
-        <p:txBody>
-          <a:bodyPr/>
-          <a:lstStyle/>
-          <a:p>
-            <a:endParaRPr lang="en-US"/>
-          </a:p>
-        </p:txBody>
-      </p:sp>
-      <p:pic>
-        <p:nvPicPr>
-          <p:cNvPr id="5" name="Picture 4" descr="Graphical user interface&#10;&#10;Description automatically generated with medium confidence">
-            <a:extLst>
-              <a:ext uri="{FF2B5EF4-FFF2-40B4-BE49-F238E27FC236}">
-                <a16:creationId xmlns:a16="http://schemas.microsoft.com/office/drawing/2014/main" id="{FF2263E9-DF7C-FD12-7439-1B729AC013CA}"/>
-              </a:ext>
-            </a:extLst>
-          </p:cNvPr>
-          <p:cNvPicPr>
-            <a:picLocks noChangeAspect="1"/>
-          </p:cNvPicPr>
-          <p:nvPr/>
-        </p:nvPicPr>
-        <p:blipFill>
-          <a:blip r:embed="rId2"/>
-          <a:stretch>
-            <a:fillRect/>
-          </a:stretch>
-        </p:blipFill>
-        <p:spPr>
-          <a:xfrm>
-            <a:off x="27662" y="1371601"/>
-            <a:ext cx="24444358" cy="10258424"/>
-          </a:xfrm>
-          <a:prstGeom prst="rect">
-            <a:avLst/>
-          </a:prstGeom>
-        </p:spPr>
-      </p:pic>
-      <p:pic>
-        <p:nvPicPr>
-          <p:cNvPr id="6" name="Picture 5" descr="Graphical user interface&#10;&#10;Description automatically generated with medium confidence">
-            <a:extLst>
-              <a:ext uri="{FF2B5EF4-FFF2-40B4-BE49-F238E27FC236}">
-                <a16:creationId xmlns:a16="http://schemas.microsoft.com/office/drawing/2014/main" id="{34C3A29B-2D11-275E-6E84-63AF415F6D2B}"/>
-              </a:ext>
-            </a:extLst>
-          </p:cNvPr>
-          <p:cNvPicPr>
-            <a:picLocks noChangeAspect="1"/>
-          </p:cNvPicPr>
-          <p:nvPr/>
-        </p:nvPicPr>
-        <p:blipFill>
-          <a:blip r:embed="rId2"/>
-          <a:stretch>
-            <a:fillRect/>
-          </a:stretch>
-        </p:blipFill>
-        <p:spPr>
-          <a:xfrm>
-            <a:off x="0" y="942976"/>
-            <a:ext cx="24444358" cy="10258424"/>
-          </a:xfrm>
-          <a:prstGeom prst="rect">
-            <a:avLst/>
-          </a:prstGeom>
-        </p:spPr>
-      </p:pic>
-      <p:pic>
-        <p:nvPicPr>
-          <p:cNvPr id="7" name="Picture 6" descr="Graphical user interface&#10;&#10;Description automatically generated with medium confidence">
-            <a:extLst>
-              <a:ext uri="{FF2B5EF4-FFF2-40B4-BE49-F238E27FC236}">
-                <a16:creationId xmlns:a16="http://schemas.microsoft.com/office/drawing/2014/main" id="{4851B692-7A1B-30C1-9438-BA05F4608FE1}"/>
-              </a:ext>
-            </a:extLst>
-          </p:cNvPr>
-          <p:cNvPicPr>
-            <a:picLocks noChangeAspect="1"/>
-          </p:cNvPicPr>
-          <p:nvPr/>
-        </p:nvPicPr>
-        <p:blipFill>
-          <a:blip r:embed="rId2"/>
-          <a:stretch>
-            <a:fillRect/>
-          </a:stretch>
-        </p:blipFill>
-        <p:spPr>
-          <a:xfrm>
-            <a:off x="0" y="433818"/>
-            <a:ext cx="24444358" cy="10258424"/>
-          </a:xfrm>
-          <a:prstGeom prst="rect">
-            <a:avLst/>
-          </a:prstGeom>
-        </p:spPr>
-      </p:pic>
-      <p:pic>
-        <p:nvPicPr>
-          <p:cNvPr id="8" name="Picture 7" descr="Graphical user interface&#10;&#10;Description automatically generated with medium confidence">
-            <a:extLst>
-              <a:ext uri="{FF2B5EF4-FFF2-40B4-BE49-F238E27FC236}">
-                <a16:creationId xmlns:a16="http://schemas.microsoft.com/office/drawing/2014/main" id="{C17ACE75-D790-76EB-746B-A657AE1EB129}"/>
-              </a:ext>
-            </a:extLst>
-          </p:cNvPr>
-          <p:cNvPicPr>
-            <a:picLocks noChangeAspect="1"/>
-          </p:cNvPicPr>
-          <p:nvPr/>
-        </p:nvPicPr>
-        <p:blipFill>
-          <a:blip r:embed="rId2"/>
-          <a:stretch>
-            <a:fillRect/>
-          </a:stretch>
-        </p:blipFill>
-        <p:spPr>
-          <a:xfrm>
-            <a:off x="55324" y="2693989"/>
-            <a:ext cx="24444358" cy="10258424"/>
-          </a:xfrm>
-          <a:prstGeom prst="rect">
-            <a:avLst/>
-          </a:prstGeom>
-        </p:spPr>
-      </p:pic>
-    </p:spTree>
-    <p:extLst>
-      <p:ext uri="{BB962C8B-B14F-4D97-AF65-F5344CB8AC3E}">
-        <p14:creationId xmlns:p14="http://schemas.microsoft.com/office/powerpoint/2010/main" val="3073732848"/>
-      </p:ext>
-    </p:extLst>
-  </p:cSld>
-  <p:clrMapOvr>
-    <a:masterClrMapping/>
-  </p:clrMapOvr>
-</p:sld>
-</file>
-
-<file path=ppt/slides/slide2.xml><?xml version="1.0" encoding="utf-8"?>
-<p:sld xmlns:a="http://schemas.openxmlformats.org/drawingml/2006/main" xmlns:r="http://schemas.openxmlformats.org/officeDocument/2006/relationships" xmlns:p="http://schemas.openxmlformats.org/presentationml/2006/main">
-  <p:cSld>
-    <p:spTree>
-      <p:nvGrpSpPr>
-        <p:cNvPr id="1" name=""/>
-        <p:cNvGrpSpPr/>
-        <p:nvPr/>
-      </p:nvGrpSpPr>
-      <p:grpSpPr>
-        <a:xfrm>
-          <a:off x="0" y="0"/>
-          <a:ext cx="0" cy="0"/>
-          <a:chOff x="0" y="0"/>
-          <a:chExt cx="0" cy="0"/>
-        </a:xfrm>
-      </p:grpSpPr>
-      <p:pic>
-        <p:nvPicPr>
-          <p:cNvPr id="7" name="Picture 6" descr="Graphical user interface&#10;&#10;Description automatically generated with medium confidence">
-            <a:extLst>
-              <a:ext uri="{FF2B5EF4-FFF2-40B4-BE49-F238E27FC236}">
-                <a16:creationId xmlns:a16="http://schemas.microsoft.com/office/drawing/2014/main" id="{934A866B-A53D-5DF1-BB1B-69B00C873484}"/>
-              </a:ext>
-            </a:extLst>
-          </p:cNvPr>
-          <p:cNvPicPr>
-            <a:picLocks noChangeAspect="1"/>
-          </p:cNvPicPr>
-          <p:nvPr/>
-        </p:nvPicPr>
-        <p:blipFill>
-          <a:blip r:embed="rId2"/>
-          <a:stretch>
-            <a:fillRect/>
-          </a:stretch>
-        </p:blipFill>
-        <p:spPr>
-          <a:xfrm>
-            <a:off x="0" y="1359992"/>
-            <a:ext cx="24403930" cy="10241458"/>
-          </a:xfrm>
-          <a:prstGeom prst="rect">
-            <a:avLst/>
-          </a:prstGeom>
-        </p:spPr>
-      </p:pic>
-    </p:spTree>
-    <p:extLst>
-      <p:ext uri="{BB962C8B-B14F-4D97-AF65-F5344CB8AC3E}">
-        <p14:creationId xmlns:p14="http://schemas.microsoft.com/office/powerpoint/2010/main" val="330876258"/>
-      </p:ext>
-    </p:extLst>
-  </p:cSld>
-  <p:clrMapOvr>
-    <a:masterClrMapping/>
-  </p:clrMapOvr>
-</p:sld>
-</file>
-
-<file path=ppt/slides/slide3.xml><?xml version="1.0" encoding="utf-8"?>
-<p:sld xmlns:a="http://schemas.openxmlformats.org/drawingml/2006/main" xmlns:r="http://schemas.openxmlformats.org/officeDocument/2006/relationships" xmlns:p="http://schemas.openxmlformats.org/presentationml/2006/main">
-  <p:cSld>
-    <p:spTree>
-      <p:nvGrpSpPr>
-        <p:cNvPr id="1" name=""/>
-        <p:cNvGrpSpPr/>
-        <p:nvPr/>
-      </p:nvGrpSpPr>
-      <p:grpSpPr>
-        <a:xfrm>
-          <a:off x="0" y="0"/>
-          <a:ext cx="0" cy="0"/>
-          <a:chOff x="0" y="0"/>
-          <a:chExt cx="0" cy="0"/>
-        </a:xfrm>
-      </p:grpSpPr>
-      <p:sp>
-        <p:nvSpPr>
           <p:cNvPr id="2" name="Rectangle 1">
             <a:extLst>
               <a:ext uri="{FF2B5EF4-FFF2-40B4-BE49-F238E27FC236}">
@@ -3262,8 +3606,8 @@
         </p:nvSpPr>
         <p:spPr>
           <a:xfrm>
-            <a:off x="234461" y="527538"/>
-            <a:ext cx="23938523" cy="11793416"/>
+            <a:off x="234462" y="592808"/>
+            <a:ext cx="23938523" cy="12565980"/>
           </a:xfrm>
           <a:prstGeom prst="rect">
             <a:avLst/>
@@ -3325,7 +3669,7 @@
         </p:nvSpPr>
         <p:spPr>
           <a:xfrm>
-            <a:off x="1406768" y="11809413"/>
+            <a:off x="1406769" y="12648409"/>
             <a:ext cx="4372709" cy="994996"/>
           </a:xfrm>
           <a:prstGeom prst="rect">
@@ -3378,10 +3722,10 @@
           <p:nvPr/>
         </p:nvPicPr>
         <p:blipFill>
-          <a:blip r:embed="rId2">
+          <a:blip r:embed="rId3">
             <a:extLst>
               <a:ext uri="{96DAC541-7B7A-43D3-8B79-37D633B846F1}">
-                <asvg:svgBlip xmlns:asvg="http://schemas.microsoft.com/office/drawing/2016/SVG/main" r:embed="rId3"/>
+                <asvg:svgBlip xmlns:asvg="http://schemas.microsoft.com/office/drawing/2016/SVG/main" r:embed="rId4"/>
               </a:ext>
             </a:extLst>
           </a:blip>
@@ -3391,7 +3735,7 @@
         </p:blipFill>
         <p:spPr>
           <a:xfrm>
-            <a:off x="1491470" y="11799764"/>
+            <a:off x="1491471" y="12626404"/>
             <a:ext cx="1075883" cy="1075883"/>
           </a:xfrm>
           <a:prstGeom prst="rect">
@@ -3414,10 +3758,10 @@
           <p:nvPr/>
         </p:nvPicPr>
         <p:blipFill>
-          <a:blip r:embed="rId4">
+          <a:blip r:embed="rId5">
             <a:extLst>
               <a:ext uri="{96DAC541-7B7A-43D3-8B79-37D633B846F1}">
-                <asvg:svgBlip xmlns:asvg="http://schemas.microsoft.com/office/drawing/2016/SVG/main" r:embed="rId5"/>
+                <asvg:svgBlip xmlns:asvg="http://schemas.microsoft.com/office/drawing/2016/SVG/main" r:embed="rId6"/>
               </a:ext>
             </a:extLst>
           </a:blip>
@@ -3427,7 +3771,7 @@
         </p:blipFill>
         <p:spPr>
           <a:xfrm>
-            <a:off x="2728156" y="11832859"/>
+            <a:off x="2728156" y="12659498"/>
             <a:ext cx="908538" cy="908538"/>
           </a:xfrm>
           <a:prstGeom prst="rect">
@@ -3450,10 +3794,10 @@
           <p:nvPr/>
         </p:nvPicPr>
         <p:blipFill>
-          <a:blip r:embed="rId6">
+          <a:blip r:embed="rId7">
             <a:extLst>
               <a:ext uri="{96DAC541-7B7A-43D3-8B79-37D633B846F1}">
-                <asvg:svgBlip xmlns:asvg="http://schemas.microsoft.com/office/drawing/2016/SVG/main" r:embed="rId7"/>
+                <asvg:svgBlip xmlns:asvg="http://schemas.microsoft.com/office/drawing/2016/SVG/main" r:embed="rId8"/>
               </a:ext>
             </a:extLst>
           </a:blip>
@@ -3463,7 +3807,7 @@
         </p:blipFill>
         <p:spPr>
           <a:xfrm>
-            <a:off x="3797497" y="11895870"/>
+            <a:off x="3797498" y="12722510"/>
             <a:ext cx="908539" cy="908539"/>
           </a:xfrm>
           <a:prstGeom prst="rect">
@@ -3486,10 +3830,10 @@
           <p:nvPr/>
         </p:nvPicPr>
         <p:blipFill>
-          <a:blip r:embed="rId8">
+          <a:blip r:embed="rId9">
             <a:extLst>
               <a:ext uri="{96DAC541-7B7A-43D3-8B79-37D633B846F1}">
-                <asvg:svgBlip xmlns:asvg="http://schemas.microsoft.com/office/drawing/2016/SVG/main" r:embed="rId9"/>
+                <asvg:svgBlip xmlns:asvg="http://schemas.microsoft.com/office/drawing/2016/SVG/main" r:embed="rId10"/>
               </a:ext>
             </a:extLst>
           </a:blip>
@@ -3499,7 +3843,7 @@
         </p:blipFill>
         <p:spPr>
           <a:xfrm>
-            <a:off x="4866838" y="11963334"/>
+            <a:off x="4866839" y="12789974"/>
             <a:ext cx="778063" cy="778063"/>
           </a:xfrm>
           <a:prstGeom prst="rect">
@@ -3521,7 +3865,7 @@
         </p:nvSpPr>
         <p:spPr>
           <a:xfrm>
-            <a:off x="9692659" y="93789"/>
+            <a:off x="9692659" y="166662"/>
             <a:ext cx="5021888" cy="861774"/>
           </a:xfrm>
           <a:prstGeom prst="rect">
@@ -3562,7 +3906,7 @@
         </p:nvSpPr>
         <p:spPr>
           <a:xfrm>
-            <a:off x="17057073" y="93789"/>
+            <a:off x="17057073" y="166662"/>
             <a:ext cx="6042552" cy="861774"/>
           </a:xfrm>
           <a:prstGeom prst="rect">
@@ -3618,6 +3962,41 @@
           </a:p>
         </p:txBody>
       </p:sp>
+      <p:pic>
+        <p:nvPicPr>
+          <p:cNvPr id="4" name="Graphic 3">
+            <a:extLst>
+              <a:ext uri="{FF2B5EF4-FFF2-40B4-BE49-F238E27FC236}">
+                <a16:creationId xmlns:a16="http://schemas.microsoft.com/office/drawing/2014/main" id="{6CE723B1-AB5C-7CD2-FAE1-9FED2CE15F3B}"/>
+              </a:ext>
+            </a:extLst>
+          </p:cNvPr>
+          <p:cNvPicPr>
+            <a:picLocks noChangeAspect="1"/>
+          </p:cNvPicPr>
+          <p:nvPr/>
+        </p:nvPicPr>
+        <p:blipFill rotWithShape="1">
+          <a:blip r:embed="rId11">
+            <a:extLst>
+              <a:ext uri="{96DAC541-7B7A-43D3-8B79-37D633B846F1}">
+                <asvg:svgBlip xmlns:asvg="http://schemas.microsoft.com/office/drawing/2016/SVG/main" r:embed="rId12"/>
+              </a:ext>
+            </a:extLst>
+          </a:blip>
+          <a:srcRect l="811" t="10256" r="911" b="33057"/>
+          <a:stretch/>
+        </p:blipFill>
+        <p:spPr>
+          <a:xfrm>
+            <a:off x="209428" y="592808"/>
+            <a:ext cx="23963558" cy="12565980"/>
+          </a:xfrm>
+          <a:prstGeom prst="rect">
+            <a:avLst/>
+          </a:prstGeom>
+        </p:spPr>
+      </p:pic>
     </p:spTree>
     <p:extLst>
       <p:ext uri="{BB962C8B-B14F-4D97-AF65-F5344CB8AC3E}">
@@ -3631,7 +4010,7 @@
 </p:sld>
 </file>
 
-<file path=ppt/slides/slide4.xml><?xml version="1.0" encoding="utf-8"?>
+<file path=ppt/slides/slide2.xml><?xml version="1.0" encoding="utf-8"?>
 <p:sld xmlns:a="http://schemas.openxmlformats.org/drawingml/2006/main" xmlns:r="http://schemas.openxmlformats.org/officeDocument/2006/relationships" xmlns:p="http://schemas.openxmlformats.org/presentationml/2006/main">
   <p:cSld>
     <p:spTree>
@@ -3663,10 +4042,10 @@
           <p:nvPr/>
         </p:nvPicPr>
         <p:blipFill>
-          <a:blip r:embed="rId2">
+          <a:blip r:embed="rId3">
             <a:extLst>
               <a:ext uri="{96DAC541-7B7A-43D3-8B79-37D633B846F1}">
-                <asvg:svgBlip xmlns:asvg="http://schemas.microsoft.com/office/drawing/2016/SVG/main" r:embed="rId3"/>
+                <asvg:svgBlip xmlns:asvg="http://schemas.microsoft.com/office/drawing/2016/SVG/main" r:embed="rId4"/>
               </a:ext>
             </a:extLst>
           </a:blip>
@@ -3676,7 +4055,7 @@
         </p:blipFill>
         <p:spPr>
           <a:xfrm>
-            <a:off x="1325379" y="755343"/>
+            <a:off x="1325379" y="1137137"/>
             <a:ext cx="2757262" cy="2506602"/>
           </a:xfrm>
           <a:prstGeom prst="rect">
@@ -3699,10 +4078,10 @@
           <p:nvPr/>
         </p:nvPicPr>
         <p:blipFill rotWithShape="1">
-          <a:blip r:embed="rId4">
+          <a:blip r:embed="rId5">
             <a:extLst>
               <a:ext uri="{96DAC541-7B7A-43D3-8B79-37D633B846F1}">
-                <asvg:svgBlip xmlns:asvg="http://schemas.microsoft.com/office/drawing/2016/SVG/main" r:embed="rId5"/>
+                <asvg:svgBlip xmlns:asvg="http://schemas.microsoft.com/office/drawing/2016/SVG/main" r:embed="rId6"/>
               </a:ext>
             </a:extLst>
           </a:blip>
@@ -3711,7 +4090,7 @@
         </p:blipFill>
         <p:spPr>
           <a:xfrm>
-            <a:off x="4082641" y="4267201"/>
+            <a:off x="4082642" y="4648995"/>
             <a:ext cx="4932405" cy="3329354"/>
           </a:xfrm>
           <a:prstGeom prst="rect">
@@ -3734,10 +4113,10 @@
           <p:nvPr/>
         </p:nvPicPr>
         <p:blipFill rotWithShape="1">
-          <a:blip r:embed="rId6">
+          <a:blip r:embed="rId7">
             <a:extLst>
               <a:ext uri="{96DAC541-7B7A-43D3-8B79-37D633B846F1}">
-                <asvg:svgBlip xmlns:asvg="http://schemas.microsoft.com/office/drawing/2016/SVG/main" r:embed="rId7"/>
+                <asvg:svgBlip xmlns:asvg="http://schemas.microsoft.com/office/drawing/2016/SVG/main" r:embed="rId8"/>
               </a:ext>
             </a:extLst>
           </a:blip>
@@ -3746,7 +4125,7 @@
         </p:blipFill>
         <p:spPr>
           <a:xfrm>
-            <a:off x="11406554" y="7596555"/>
+            <a:off x="11406555" y="7978349"/>
             <a:ext cx="3580185" cy="3774830"/>
           </a:xfrm>
           <a:prstGeom prst="rect">
@@ -3769,10 +4148,10 @@
           <p:nvPr/>
         </p:nvPicPr>
         <p:blipFill rotWithShape="1">
-          <a:blip r:embed="rId8">
+          <a:blip r:embed="rId9">
             <a:extLst>
               <a:ext uri="{96DAC541-7B7A-43D3-8B79-37D633B846F1}">
-                <asvg:svgBlip xmlns:asvg="http://schemas.microsoft.com/office/drawing/2016/SVG/main" r:embed="rId9"/>
+                <asvg:svgBlip xmlns:asvg="http://schemas.microsoft.com/office/drawing/2016/SVG/main" r:embed="rId10"/>
               </a:ext>
             </a:extLst>
           </a:blip>
@@ -3781,7 +4160,7 @@
         </p:blipFill>
         <p:spPr>
           <a:xfrm>
-            <a:off x="13587841" y="2426677"/>
+            <a:off x="13587842" y="2808471"/>
             <a:ext cx="3434067" cy="2403232"/>
           </a:xfrm>
           <a:prstGeom prst="rect">
@@ -3804,10 +4183,10 @@
           <p:nvPr/>
         </p:nvPicPr>
         <p:blipFill rotWithShape="1">
-          <a:blip r:embed="rId10">
+          <a:blip r:embed="rId11">
             <a:extLst>
               <a:ext uri="{96DAC541-7B7A-43D3-8B79-37D633B846F1}">
-                <asvg:svgBlip xmlns:asvg="http://schemas.microsoft.com/office/drawing/2016/SVG/main" r:embed="rId11"/>
+                <asvg:svgBlip xmlns:asvg="http://schemas.microsoft.com/office/drawing/2016/SVG/main" r:embed="rId12"/>
               </a:ext>
             </a:extLst>
           </a:blip>
@@ -3816,7 +4195,7 @@
         </p:blipFill>
         <p:spPr>
           <a:xfrm>
-            <a:off x="8030308" y="7779059"/>
+            <a:off x="8030308" y="8160854"/>
             <a:ext cx="2356338" cy="3329353"/>
           </a:xfrm>
           <a:prstGeom prst="rect">
@@ -3839,10 +4218,10 @@
           <p:nvPr/>
         </p:nvPicPr>
         <p:blipFill rotWithShape="1">
-          <a:blip r:embed="rId12">
+          <a:blip r:embed="rId13">
             <a:extLst>
               <a:ext uri="{96DAC541-7B7A-43D3-8B79-37D633B846F1}">
-                <asvg:svgBlip xmlns:asvg="http://schemas.microsoft.com/office/drawing/2016/SVG/main" r:embed="rId13"/>
+                <asvg:svgBlip xmlns:asvg="http://schemas.microsoft.com/office/drawing/2016/SVG/main" r:embed="rId14"/>
               </a:ext>
             </a:extLst>
           </a:blip>
@@ -3851,7 +4230,7 @@
         </p:blipFill>
         <p:spPr>
           <a:xfrm>
-            <a:off x="8655436" y="867508"/>
+            <a:off x="8655436" y="1249303"/>
             <a:ext cx="2578282" cy="3130061"/>
           </a:xfrm>
           <a:prstGeom prst="rect">
@@ -3874,10 +4253,10 @@
           <p:nvPr/>
         </p:nvPicPr>
         <p:blipFill rotWithShape="1">
-          <a:blip r:embed="rId14">
+          <a:blip r:embed="rId15">
             <a:extLst>
               <a:ext uri="{96DAC541-7B7A-43D3-8B79-37D633B846F1}">
-                <asvg:svgBlip xmlns:asvg="http://schemas.microsoft.com/office/drawing/2016/SVG/main" r:embed="rId15"/>
+                <asvg:svgBlip xmlns:asvg="http://schemas.microsoft.com/office/drawing/2016/SVG/main" r:embed="rId16"/>
               </a:ext>
             </a:extLst>
           </a:blip>
@@ -3886,7 +4265,7 @@
         </p:blipFill>
         <p:spPr>
           <a:xfrm>
-            <a:off x="926123" y="8170985"/>
+            <a:off x="926123" y="8552780"/>
             <a:ext cx="4067908" cy="2778369"/>
           </a:xfrm>
           <a:prstGeom prst="rect">
@@ -3909,10 +4288,10 @@
           <p:nvPr/>
         </p:nvPicPr>
         <p:blipFill rotWithShape="1">
-          <a:blip r:embed="rId16">
+          <a:blip r:embed="rId17">
             <a:extLst>
               <a:ext uri="{96DAC541-7B7A-43D3-8B79-37D633B846F1}">
-                <asvg:svgBlip xmlns:asvg="http://schemas.microsoft.com/office/drawing/2016/SVG/main" r:embed="rId17"/>
+                <asvg:svgBlip xmlns:asvg="http://schemas.microsoft.com/office/drawing/2016/SVG/main" r:embed="rId18"/>
               </a:ext>
             </a:extLst>
           </a:blip>
@@ -3921,7 +4300,7 @@
         </p:blipFill>
         <p:spPr>
           <a:xfrm>
-            <a:off x="16166123" y="3856892"/>
+            <a:off x="16166124" y="4238687"/>
             <a:ext cx="6799385" cy="5627077"/>
           </a:xfrm>
           <a:prstGeom prst="rect">
@@ -3942,9 +4321,17 @@
 </p:sld>
 </file>
 
-<file path=ppt/slides/slide5.xml><?xml version="1.0" encoding="utf-8"?>
+<file path=ppt/slides/slide3.xml><?xml version="1.0" encoding="utf-8"?>
 <p:sld xmlns:a="http://schemas.openxmlformats.org/drawingml/2006/main" xmlns:r="http://schemas.openxmlformats.org/officeDocument/2006/relationships" xmlns:p="http://schemas.openxmlformats.org/presentationml/2006/main">
   <p:cSld>
+    <p:bg>
+      <p:bgPr>
+        <a:solidFill>
+          <a:srgbClr val="050B20"/>
+        </a:solidFill>
+        <a:effectLst/>
+      </p:bgPr>
+    </p:bg>
     <p:spTree>
       <p:nvGrpSpPr>
         <p:cNvPr id="1" name=""/>
@@ -3959,10 +4346,413 @@
           <a:chExt cx="0" cy="0"/>
         </a:xfrm>
       </p:grpSpPr>
+      <p:pic>
+        <p:nvPicPr>
+          <p:cNvPr id="10" name="Picture 9">
+            <a:extLst>
+              <a:ext uri="{FF2B5EF4-FFF2-40B4-BE49-F238E27FC236}">
+                <a16:creationId xmlns:a16="http://schemas.microsoft.com/office/drawing/2014/main" id="{40B64EF9-3DB2-0BDE-FBDA-883DCEBFB6C6}"/>
+              </a:ext>
+            </a:extLst>
+          </p:cNvPr>
+          <p:cNvPicPr>
+            <a:picLocks noChangeAspect="1"/>
+          </p:cNvPicPr>
+          <p:nvPr/>
+        </p:nvPicPr>
+        <p:blipFill rotWithShape="1">
+          <a:blip r:embed="rId3"/>
+          <a:srcRect t="12394" b="9790"/>
+          <a:stretch/>
+        </p:blipFill>
+        <p:spPr>
+          <a:xfrm>
+            <a:off x="0" y="5714542"/>
+            <a:ext cx="24382412" cy="7971183"/>
+          </a:xfrm>
+          <a:prstGeom prst="rect">
+            <a:avLst/>
+          </a:prstGeom>
+        </p:spPr>
+      </p:pic>
+      <p:pic>
+        <p:nvPicPr>
+          <p:cNvPr id="8" name="Graphic 7">
+            <a:extLst>
+              <a:ext uri="{FF2B5EF4-FFF2-40B4-BE49-F238E27FC236}">
+                <a16:creationId xmlns:a16="http://schemas.microsoft.com/office/drawing/2014/main" id="{D008E155-26DC-848C-6E1C-88304BF1F5A8}"/>
+              </a:ext>
+            </a:extLst>
+          </p:cNvPr>
+          <p:cNvPicPr>
+            <a:picLocks noChangeAspect="1"/>
+          </p:cNvPicPr>
+          <p:nvPr/>
+        </p:nvPicPr>
+        <p:blipFill>
+          <a:blip r:embed="rId4">
+            <a:extLst>
+              <a:ext uri="{96DAC541-7B7A-43D3-8B79-37D633B846F1}">
+                <asvg:svgBlip xmlns:asvg="http://schemas.microsoft.com/office/drawing/2016/SVG/main" r:embed="rId5"/>
+              </a:ext>
+            </a:extLst>
+          </a:blip>
+          <a:stretch>
+            <a:fillRect/>
+          </a:stretch>
+        </p:blipFill>
+        <p:spPr>
+          <a:xfrm>
+            <a:off x="0" y="-2530270"/>
+            <a:ext cx="24382412" cy="22165828"/>
+          </a:xfrm>
+          <a:prstGeom prst="rect">
+            <a:avLst/>
+          </a:prstGeom>
+        </p:spPr>
+      </p:pic>
+      <p:sp>
+        <p:nvSpPr>
+          <p:cNvPr id="11" name="TextBox 10">
+            <a:extLst>
+              <a:ext uri="{FF2B5EF4-FFF2-40B4-BE49-F238E27FC236}">
+                <a16:creationId xmlns:a16="http://schemas.microsoft.com/office/drawing/2014/main" id="{C39891EC-D9B5-4AD9-1CA5-EEA01F391218}"/>
+              </a:ext>
+            </a:extLst>
+          </p:cNvPr>
+          <p:cNvSpPr txBox="1"/>
+          <p:nvPr/>
+        </p:nvSpPr>
+        <p:spPr>
+          <a:xfrm>
+            <a:off x="4349372" y="1028055"/>
+            <a:ext cx="15685256" cy="1015663"/>
+          </a:xfrm>
+          <a:prstGeom prst="rect">
+            <a:avLst/>
+          </a:prstGeom>
+          <a:noFill/>
+        </p:spPr>
+        <p:txBody>
+          <a:bodyPr wrap="none" rtlCol="0">
+            <a:spAutoFit/>
+          </a:bodyPr>
+          <a:lstStyle/>
+          <a:p>
+            <a:r>
+              <a:rPr lang="en-US" sz="6000" dirty="0">
+                <a:solidFill>
+                  <a:schemeClr val="bg1"/>
+                </a:solidFill>
+              </a:rPr>
+              <a:t>Supercharge your AI skills with #30DaysOfAzureAI</a:t>
+            </a:r>
+          </a:p>
+        </p:txBody>
+      </p:sp>
+      <p:sp>
+        <p:nvSpPr>
+          <p:cNvPr id="12" name="TextBox 11">
+            <a:extLst>
+              <a:ext uri="{FF2B5EF4-FFF2-40B4-BE49-F238E27FC236}">
+                <a16:creationId xmlns:a16="http://schemas.microsoft.com/office/drawing/2014/main" id="{95D20D79-B6C8-7BC3-0C18-7CC6B73638BE}"/>
+              </a:ext>
+            </a:extLst>
+          </p:cNvPr>
+          <p:cNvSpPr txBox="1"/>
+          <p:nvPr/>
+        </p:nvSpPr>
+        <p:spPr>
+          <a:xfrm>
+            <a:off x="6412565" y="2677941"/>
+            <a:ext cx="11558870" cy="707886"/>
+          </a:xfrm>
+          <a:prstGeom prst="rect">
+            <a:avLst/>
+          </a:prstGeom>
+          <a:noFill/>
+        </p:spPr>
+        <p:txBody>
+          <a:bodyPr wrap="none">
+            <a:spAutoFit/>
+          </a:bodyPr>
+          <a:lstStyle/>
+          <a:p>
+            <a:pPr algn="ctr"/>
+            <a:r>
+              <a:rPr lang="en-AU" sz="4000" dirty="0">
+                <a:solidFill>
+                  <a:schemeClr val="bg1"/>
+                </a:solidFill>
+              </a:rPr>
+              <a:t>🚀Launches March 27th with daily posts across April🚀</a:t>
+            </a:r>
+            <a:endParaRPr lang="en-US" sz="4000" dirty="0">
+              <a:solidFill>
+                <a:schemeClr val="bg1"/>
+              </a:solidFill>
+            </a:endParaRPr>
+          </a:p>
+        </p:txBody>
+      </p:sp>
+      <p:sp>
+        <p:nvSpPr>
+          <p:cNvPr id="13" name="TextBox 12">
+            <a:extLst>
+              <a:ext uri="{FF2B5EF4-FFF2-40B4-BE49-F238E27FC236}">
+                <a16:creationId xmlns:a16="http://schemas.microsoft.com/office/drawing/2014/main" id="{4B4E60FC-B096-4667-3C22-F88CA50C4668}"/>
+              </a:ext>
+            </a:extLst>
+          </p:cNvPr>
+          <p:cNvSpPr txBox="1"/>
+          <p:nvPr/>
+        </p:nvSpPr>
+        <p:spPr>
+          <a:xfrm>
+            <a:off x="8082784" y="4020051"/>
+            <a:ext cx="8216843" cy="707886"/>
+          </a:xfrm>
+          <a:prstGeom prst="rect">
+            <a:avLst/>
+          </a:prstGeom>
+          <a:noFill/>
+        </p:spPr>
+        <p:txBody>
+          <a:bodyPr wrap="square">
+            <a:spAutoFit/>
+          </a:bodyPr>
+          <a:lstStyle/>
+          <a:p>
+            <a:pPr algn="ctr"/>
+            <a:r>
+              <a:rPr lang="en-US" sz="4000" b="1" dirty="0">
+                <a:solidFill>
+                  <a:schemeClr val="bg1"/>
+                </a:solidFill>
+              </a:rPr>
+              <a:t>https://</a:t>
+            </a:r>
+            <a:r>
+              <a:rPr lang="en-US" sz="4000" b="1" dirty="0" err="1">
+                <a:solidFill>
+                  <a:schemeClr val="bg1"/>
+                </a:solidFill>
+              </a:rPr>
+              <a:t>aka.ms</a:t>
+            </a:r>
+            <a:r>
+              <a:rPr lang="en-US" sz="4000" b="1" dirty="0">
+                <a:solidFill>
+                  <a:schemeClr val="bg1"/>
+                </a:solidFill>
+              </a:rPr>
+              <a:t>/30-days-ai-roadmap</a:t>
+            </a:r>
+          </a:p>
+        </p:txBody>
+      </p:sp>
     </p:spTree>
     <p:extLst>
       <p:ext uri="{BB962C8B-B14F-4D97-AF65-F5344CB8AC3E}">
-        <p14:creationId xmlns:p14="http://schemas.microsoft.com/office/powerpoint/2010/main" val="1346771049"/>
+        <p14:creationId xmlns:p14="http://schemas.microsoft.com/office/powerpoint/2010/main" val="2724318384"/>
+      </p:ext>
+    </p:extLst>
+  </p:cSld>
+  <p:clrMapOvr>
+    <a:masterClrMapping/>
+  </p:clrMapOvr>
+</p:sld>
+</file>
+
+<file path=ppt/slides/slide4.xml><?xml version="1.0" encoding="utf-8"?>
+<p:sld xmlns:a="http://schemas.openxmlformats.org/drawingml/2006/main" xmlns:r="http://schemas.openxmlformats.org/officeDocument/2006/relationships" xmlns:p="http://schemas.openxmlformats.org/presentationml/2006/main">
+  <p:cSld>
+    <p:bg>
+      <p:bgPr>
+        <a:solidFill>
+          <a:srgbClr val="050B20"/>
+        </a:solidFill>
+        <a:effectLst/>
+      </p:bgPr>
+    </p:bg>
+    <p:spTree>
+      <p:nvGrpSpPr>
+        <p:cNvPr id="1" name=""/>
+        <p:cNvGrpSpPr/>
+        <p:nvPr/>
+      </p:nvGrpSpPr>
+      <p:grpSpPr>
+        <a:xfrm>
+          <a:off x="0" y="0"/>
+          <a:ext cx="0" cy="0"/>
+          <a:chOff x="0" y="0"/>
+          <a:chExt cx="0" cy="0"/>
+        </a:xfrm>
+      </p:grpSpPr>
+      <p:pic>
+        <p:nvPicPr>
+          <p:cNvPr id="2" name="Picture 1">
+            <a:extLst>
+              <a:ext uri="{FF2B5EF4-FFF2-40B4-BE49-F238E27FC236}">
+                <a16:creationId xmlns:a16="http://schemas.microsoft.com/office/drawing/2014/main" id="{3F31C5B2-345C-476E-50D4-769074B5CE23}"/>
+              </a:ext>
+            </a:extLst>
+          </p:cNvPr>
+          <p:cNvPicPr>
+            <a:picLocks noChangeAspect="1"/>
+          </p:cNvPicPr>
+          <p:nvPr/>
+        </p:nvPicPr>
+        <p:blipFill>
+          <a:blip r:embed="rId2"/>
+          <a:stretch>
+            <a:fillRect/>
+          </a:stretch>
+        </p:blipFill>
+        <p:spPr>
+          <a:xfrm>
+            <a:off x="-21280" y="3466081"/>
+            <a:ext cx="24426559" cy="10262276"/>
+          </a:xfrm>
+          <a:prstGeom prst="rect">
+            <a:avLst/>
+          </a:prstGeom>
+        </p:spPr>
+      </p:pic>
+      <p:sp>
+        <p:nvSpPr>
+          <p:cNvPr id="3" name="TextBox 2">
+            <a:extLst>
+              <a:ext uri="{FF2B5EF4-FFF2-40B4-BE49-F238E27FC236}">
+                <a16:creationId xmlns:a16="http://schemas.microsoft.com/office/drawing/2014/main" id="{7D4885A3-6B81-E220-E826-E070502912F6}"/>
+              </a:ext>
+            </a:extLst>
+          </p:cNvPr>
+          <p:cNvSpPr txBox="1"/>
+          <p:nvPr/>
+        </p:nvSpPr>
+        <p:spPr>
+          <a:xfrm>
+            <a:off x="8627448" y="556053"/>
+            <a:ext cx="7153818" cy="1200329"/>
+          </a:xfrm>
+          <a:prstGeom prst="rect">
+            <a:avLst/>
+          </a:prstGeom>
+          <a:noFill/>
+        </p:spPr>
+        <p:txBody>
+          <a:bodyPr wrap="none" rtlCol="0">
+            <a:spAutoFit/>
+          </a:bodyPr>
+          <a:lstStyle/>
+          <a:p>
+            <a:r>
+              <a:rPr lang="en-US" sz="7200" dirty="0">
+                <a:solidFill>
+                  <a:schemeClr val="bg1"/>
+                </a:solidFill>
+              </a:rPr>
+              <a:t>#30DaysOfAzureAI</a:t>
+            </a:r>
+          </a:p>
+        </p:txBody>
+      </p:sp>
+      <p:sp>
+        <p:nvSpPr>
+          <p:cNvPr id="4" name="TextBox 3">
+            <a:extLst>
+              <a:ext uri="{FF2B5EF4-FFF2-40B4-BE49-F238E27FC236}">
+                <a16:creationId xmlns:a16="http://schemas.microsoft.com/office/drawing/2014/main" id="{DC960751-EFFB-3603-FC25-A5040CA75906}"/>
+              </a:ext>
+            </a:extLst>
+          </p:cNvPr>
+          <p:cNvSpPr txBox="1"/>
+          <p:nvPr/>
+        </p:nvSpPr>
+        <p:spPr>
+          <a:xfrm>
+            <a:off x="9140441" y="2026456"/>
+            <a:ext cx="6127831" cy="584775"/>
+          </a:xfrm>
+          <a:prstGeom prst="rect">
+            <a:avLst/>
+          </a:prstGeom>
+          <a:noFill/>
+        </p:spPr>
+        <p:txBody>
+          <a:bodyPr wrap="none" rtlCol="0">
+            <a:spAutoFit/>
+          </a:bodyPr>
+          <a:lstStyle/>
+          <a:p>
+            <a:r>
+              <a:rPr lang="en-US" sz="3200" dirty="0">
+                <a:solidFill>
+                  <a:schemeClr val="bg1"/>
+                </a:solidFill>
+              </a:rPr>
+              <a:t>https://</a:t>
+            </a:r>
+            <a:r>
+              <a:rPr lang="en-US" sz="3200" dirty="0" err="1">
+                <a:solidFill>
+                  <a:schemeClr val="bg1"/>
+                </a:solidFill>
+              </a:rPr>
+              <a:t>aka.ms</a:t>
+            </a:r>
+            <a:r>
+              <a:rPr lang="en-US" sz="3200" dirty="0">
+                <a:solidFill>
+                  <a:schemeClr val="bg1"/>
+                </a:solidFill>
+              </a:rPr>
+              <a:t>/30-days-ai-roadmap</a:t>
+            </a:r>
+          </a:p>
+        </p:txBody>
+      </p:sp>
+      <p:pic>
+        <p:nvPicPr>
+          <p:cNvPr id="5" name="Graphic 4">
+            <a:extLst>
+              <a:ext uri="{FF2B5EF4-FFF2-40B4-BE49-F238E27FC236}">
+                <a16:creationId xmlns:a16="http://schemas.microsoft.com/office/drawing/2014/main" id="{FA39F62A-62F1-557D-F658-459C00867D46}"/>
+              </a:ext>
+            </a:extLst>
+          </p:cNvPr>
+          <p:cNvPicPr>
+            <a:picLocks noChangeAspect="1"/>
+          </p:cNvPicPr>
+          <p:nvPr/>
+        </p:nvPicPr>
+        <p:blipFill>
+          <a:blip r:embed="rId3">
+            <a:extLst>
+              <a:ext uri="{96DAC541-7B7A-43D3-8B79-37D633B846F1}">
+                <asvg:svgBlip xmlns:asvg="http://schemas.microsoft.com/office/drawing/2016/SVG/main" r:embed="rId4"/>
+              </a:ext>
+            </a:extLst>
+          </a:blip>
+          <a:stretch>
+            <a:fillRect/>
+          </a:stretch>
+        </p:blipFill>
+        <p:spPr>
+          <a:xfrm>
+            <a:off x="0" y="-2530270"/>
+            <a:ext cx="24382412" cy="22165828"/>
+          </a:xfrm>
+          <a:prstGeom prst="rect">
+            <a:avLst/>
+          </a:prstGeom>
+        </p:spPr>
+      </p:pic>
+    </p:spTree>
+    <p:extLst>
+      <p:ext uri="{BB962C8B-B14F-4D97-AF65-F5344CB8AC3E}">
+        <p14:creationId xmlns:p14="http://schemas.microsoft.com/office/powerpoint/2010/main" val="2207215621"/>
       </p:ext>
     </p:extLst>
   </p:cSld>
@@ -4233,6 +5023,301 @@
 </a:theme>
 </file>
 
+<file path=ppt/theme/theme2.xml><?xml version="1.0" encoding="utf-8"?>
+<a:theme xmlns:a="http://schemas.openxmlformats.org/drawingml/2006/main" name="Office Theme">
+  <a:themeElements>
+    <a:clrScheme name="Office">
+      <a:dk1>
+        <a:sysClr val="windowText" lastClr="000000"/>
+      </a:dk1>
+      <a:lt1>
+        <a:sysClr val="window" lastClr="FFFFFF"/>
+      </a:lt1>
+      <a:dk2>
+        <a:srgbClr val="44546A"/>
+      </a:dk2>
+      <a:lt2>
+        <a:srgbClr val="E7E6E6"/>
+      </a:lt2>
+      <a:accent1>
+        <a:srgbClr val="4472C4"/>
+      </a:accent1>
+      <a:accent2>
+        <a:srgbClr val="ED7D31"/>
+      </a:accent2>
+      <a:accent3>
+        <a:srgbClr val="A5A5A5"/>
+      </a:accent3>
+      <a:accent4>
+        <a:srgbClr val="FFC000"/>
+      </a:accent4>
+      <a:accent5>
+        <a:srgbClr val="5B9BD5"/>
+      </a:accent5>
+      <a:accent6>
+        <a:srgbClr val="70AD47"/>
+      </a:accent6>
+      <a:hlink>
+        <a:srgbClr val="0563C1"/>
+      </a:hlink>
+      <a:folHlink>
+        <a:srgbClr val="954F72"/>
+      </a:folHlink>
+    </a:clrScheme>
+    <a:fontScheme name="Office">
+      <a:majorFont>
+        <a:latin typeface="Calibri Light" panose="020F0302020204030204"/>
+        <a:ea typeface=""/>
+        <a:cs typeface=""/>
+        <a:font script="Jpan" typeface="游ゴシック Light"/>
+        <a:font script="Hang" typeface="맑은 고딕"/>
+        <a:font script="Hans" typeface="等线 Light"/>
+        <a:font script="Hant" typeface="新細明體"/>
+        <a:font script="Arab" typeface="Times New Roman"/>
+        <a:font script="Hebr" typeface="Times New Roman"/>
+        <a:font script="Thai" typeface="Angsana New"/>
+        <a:font script="Ethi" typeface="Nyala"/>
+        <a:font script="Beng" typeface="Vrinda"/>
+        <a:font script="Gujr" typeface="Shruti"/>
+        <a:font script="Khmr" typeface="MoolBoran"/>
+        <a:font script="Knda" typeface="Tunga"/>
+        <a:font script="Guru" typeface="Raavi"/>
+        <a:font script="Cans" typeface="Euphemia"/>
+        <a:font script="Cher" typeface="Plantagenet Cherokee"/>
+        <a:font script="Yiii" typeface="Microsoft Yi Baiti"/>
+        <a:font script="Tibt" typeface="Microsoft Himalaya"/>
+        <a:font script="Thaa" typeface="MV Boli"/>
+        <a:font script="Deva" typeface="Mangal"/>
+        <a:font script="Telu" typeface="Gautami"/>
+        <a:font script="Taml" typeface="Latha"/>
+        <a:font script="Syrc" typeface="Estrangelo Edessa"/>
+        <a:font script="Orya" typeface="Kalinga"/>
+        <a:font script="Mlym" typeface="Kartika"/>
+        <a:font script="Laoo" typeface="DokChampa"/>
+        <a:font script="Sinh" typeface="Iskoola Pota"/>
+        <a:font script="Mong" typeface="Mongolian Baiti"/>
+        <a:font script="Viet" typeface="Times New Roman"/>
+        <a:font script="Uigh" typeface="Microsoft Uighur"/>
+        <a:font script="Geor" typeface="Sylfaen"/>
+        <a:font script="Armn" typeface="Arial"/>
+        <a:font script="Bugi" typeface="Leelawadee UI"/>
+        <a:font script="Bopo" typeface="Microsoft JhengHei"/>
+        <a:font script="Java" typeface="Javanese Text"/>
+        <a:font script="Lisu" typeface="Segoe UI"/>
+        <a:font script="Mymr" typeface="Myanmar Text"/>
+        <a:font script="Nkoo" typeface="Ebrima"/>
+        <a:font script="Olck" typeface="Nirmala UI"/>
+        <a:font script="Osma" typeface="Ebrima"/>
+        <a:font script="Phag" typeface="Phagspa"/>
+        <a:font script="Syrn" typeface="Estrangelo Edessa"/>
+        <a:font script="Syrj" typeface="Estrangelo Edessa"/>
+        <a:font script="Syre" typeface="Estrangelo Edessa"/>
+        <a:font script="Sora" typeface="Nirmala UI"/>
+        <a:font script="Tale" typeface="Microsoft Tai Le"/>
+        <a:font script="Talu" typeface="Microsoft New Tai Lue"/>
+        <a:font script="Tfng" typeface="Ebrima"/>
+      </a:majorFont>
+      <a:minorFont>
+        <a:latin typeface="Calibri" panose="020F0502020204030204"/>
+        <a:ea typeface=""/>
+        <a:cs typeface=""/>
+        <a:font script="Jpan" typeface="游ゴシック"/>
+        <a:font script="Hang" typeface="맑은 고딕"/>
+        <a:font script="Hans" typeface="等线"/>
+        <a:font script="Hant" typeface="新細明體"/>
+        <a:font script="Arab" typeface="Arial"/>
+        <a:font script="Hebr" typeface="Arial"/>
+        <a:font script="Thai" typeface="Cordia New"/>
+        <a:font script="Ethi" typeface="Nyala"/>
+        <a:font script="Beng" typeface="Vrinda"/>
+        <a:font script="Gujr" typeface="Shruti"/>
+        <a:font script="Khmr" typeface="DaunPenh"/>
+        <a:font script="Knda" typeface="Tunga"/>
+        <a:font script="Guru" typeface="Raavi"/>
+        <a:font script="Cans" typeface="Euphemia"/>
+        <a:font script="Cher" typeface="Plantagenet Cherokee"/>
+        <a:font script="Yiii" typeface="Microsoft Yi Baiti"/>
+        <a:font script="Tibt" typeface="Microsoft Himalaya"/>
+        <a:font script="Thaa" typeface="MV Boli"/>
+        <a:font script="Deva" typeface="Mangal"/>
+        <a:font script="Telu" typeface="Gautami"/>
+        <a:font script="Taml" typeface="Latha"/>
+        <a:font script="Syrc" typeface="Estrangelo Edessa"/>
+        <a:font script="Orya" typeface="Kalinga"/>
+        <a:font script="Mlym" typeface="Kartika"/>
+        <a:font script="Laoo" typeface="DokChampa"/>
+        <a:font script="Sinh" typeface="Iskoola Pota"/>
+        <a:font script="Mong" typeface="Mongolian Baiti"/>
+        <a:font script="Viet" typeface="Arial"/>
+        <a:font script="Uigh" typeface="Microsoft Uighur"/>
+        <a:font script="Geor" typeface="Sylfaen"/>
+        <a:font script="Armn" typeface="Arial"/>
+        <a:font script="Bugi" typeface="Leelawadee UI"/>
+        <a:font script="Bopo" typeface="Microsoft JhengHei"/>
+        <a:font script="Java" typeface="Javanese Text"/>
+        <a:font script="Lisu" typeface="Segoe UI"/>
+        <a:font script="Mymr" typeface="Myanmar Text"/>
+        <a:font script="Nkoo" typeface="Ebrima"/>
+        <a:font script="Olck" typeface="Nirmala UI"/>
+        <a:font script="Osma" typeface="Ebrima"/>
+        <a:font script="Phag" typeface="Phagspa"/>
+        <a:font script="Syrn" typeface="Estrangelo Edessa"/>
+        <a:font script="Syrj" typeface="Estrangelo Edessa"/>
+        <a:font script="Syre" typeface="Estrangelo Edessa"/>
+        <a:font script="Sora" typeface="Nirmala UI"/>
+        <a:font script="Tale" typeface="Microsoft Tai Le"/>
+        <a:font script="Talu" typeface="Microsoft New Tai Lue"/>
+        <a:font script="Tfng" typeface="Ebrima"/>
+      </a:minorFont>
+    </a:fontScheme>
+    <a:fmtScheme name="Office">
+      <a:fillStyleLst>
+        <a:solidFill>
+          <a:schemeClr val="phClr"/>
+        </a:solidFill>
+        <a:gradFill rotWithShape="1">
+          <a:gsLst>
+            <a:gs pos="0">
+              <a:schemeClr val="phClr">
+                <a:lumMod val="110000"/>
+                <a:satMod val="105000"/>
+                <a:tint val="67000"/>
+              </a:schemeClr>
+            </a:gs>
+            <a:gs pos="50000">
+              <a:schemeClr val="phClr">
+                <a:lumMod val="105000"/>
+                <a:satMod val="103000"/>
+                <a:tint val="73000"/>
+              </a:schemeClr>
+            </a:gs>
+            <a:gs pos="100000">
+              <a:schemeClr val="phClr">
+                <a:lumMod val="105000"/>
+                <a:satMod val="109000"/>
+                <a:tint val="81000"/>
+              </a:schemeClr>
+            </a:gs>
+          </a:gsLst>
+          <a:lin ang="5400000" scaled="0"/>
+        </a:gradFill>
+        <a:gradFill rotWithShape="1">
+          <a:gsLst>
+            <a:gs pos="0">
+              <a:schemeClr val="phClr">
+                <a:satMod val="103000"/>
+                <a:lumMod val="102000"/>
+                <a:tint val="94000"/>
+              </a:schemeClr>
+            </a:gs>
+            <a:gs pos="50000">
+              <a:schemeClr val="phClr">
+                <a:satMod val="110000"/>
+                <a:lumMod val="100000"/>
+                <a:shade val="100000"/>
+              </a:schemeClr>
+            </a:gs>
+            <a:gs pos="100000">
+              <a:schemeClr val="phClr">
+                <a:lumMod val="99000"/>
+                <a:satMod val="120000"/>
+                <a:shade val="78000"/>
+              </a:schemeClr>
+            </a:gs>
+          </a:gsLst>
+          <a:lin ang="5400000" scaled="0"/>
+        </a:gradFill>
+      </a:fillStyleLst>
+      <a:lnStyleLst>
+        <a:ln w="6350" cap="flat" cmpd="sng" algn="ctr">
+          <a:solidFill>
+            <a:schemeClr val="phClr"/>
+          </a:solidFill>
+          <a:prstDash val="solid"/>
+          <a:miter lim="800000"/>
+        </a:ln>
+        <a:ln w="12700" cap="flat" cmpd="sng" algn="ctr">
+          <a:solidFill>
+            <a:schemeClr val="phClr"/>
+          </a:solidFill>
+          <a:prstDash val="solid"/>
+          <a:miter lim="800000"/>
+        </a:ln>
+        <a:ln w="19050" cap="flat" cmpd="sng" algn="ctr">
+          <a:solidFill>
+            <a:schemeClr val="phClr"/>
+          </a:solidFill>
+          <a:prstDash val="solid"/>
+          <a:miter lim="800000"/>
+        </a:ln>
+      </a:lnStyleLst>
+      <a:effectStyleLst>
+        <a:effectStyle>
+          <a:effectLst/>
+        </a:effectStyle>
+        <a:effectStyle>
+          <a:effectLst/>
+        </a:effectStyle>
+        <a:effectStyle>
+          <a:effectLst>
+            <a:outerShdw blurRad="57150" dist="19050" dir="5400000" algn="ctr" rotWithShape="0">
+              <a:srgbClr val="000000">
+                <a:alpha val="63000"/>
+              </a:srgbClr>
+            </a:outerShdw>
+          </a:effectLst>
+        </a:effectStyle>
+      </a:effectStyleLst>
+      <a:bgFillStyleLst>
+        <a:solidFill>
+          <a:schemeClr val="phClr"/>
+        </a:solidFill>
+        <a:solidFill>
+          <a:schemeClr val="phClr">
+            <a:tint val="95000"/>
+            <a:satMod val="170000"/>
+          </a:schemeClr>
+        </a:solidFill>
+        <a:gradFill rotWithShape="1">
+          <a:gsLst>
+            <a:gs pos="0">
+              <a:schemeClr val="phClr">
+                <a:tint val="93000"/>
+                <a:satMod val="150000"/>
+                <a:shade val="98000"/>
+                <a:lumMod val="102000"/>
+              </a:schemeClr>
+            </a:gs>
+            <a:gs pos="50000">
+              <a:schemeClr val="phClr">
+                <a:tint val="98000"/>
+                <a:satMod val="130000"/>
+                <a:shade val="90000"/>
+                <a:lumMod val="103000"/>
+              </a:schemeClr>
+            </a:gs>
+            <a:gs pos="100000">
+              <a:schemeClr val="phClr">
+                <a:shade val="63000"/>
+                <a:satMod val="120000"/>
+              </a:schemeClr>
+            </a:gs>
+          </a:gsLst>
+          <a:lin ang="5400000" scaled="0"/>
+        </a:gradFill>
+      </a:bgFillStyleLst>
+    </a:fmtScheme>
+  </a:themeElements>
+  <a:objectDefaults/>
+  <a:extraClrSchemeLst/>
+  <a:extLst>
+    <a:ext uri="{05A4C25C-085E-4340-85A3-A5531E510DB2}">
+      <thm15:themeFamily xmlns:thm15="http://schemas.microsoft.com/office/thememl/2012/main" name="Office Theme" id="{62F939B6-93AF-4DB8-9C6B-D6C7DFDC589F}" vid="{4A3C46E8-61CC-4603-A589-7422A47A8E4A}"/>
+    </a:ext>
+  </a:extLst>
+</a:theme>
+</file>
+
 <file path=docMetadata/LabelInfo.xml><?xml version="1.0" encoding="utf-8"?>
 <clbl:labelList xmlns:clbl="http://schemas.microsoft.com/office/2020/mipLabelMetadata">
   <clbl:label id="{f42aa342-8706-4288-bd11-ebb85995028c}" enabled="1" method="Standard" siteId="{72f988bf-86f1-41af-91ab-2d7cd011db47}" contentBits="0" removed="0"/>

--- a/assets/banner-1080p.pptx
+++ b/assets/banner-1080p.pptx
@@ -129,6 +129,82 @@
 </p:presentation>
 </file>
 
+<file path=ppt/revisionInfo.xml><?xml version="1.0" encoding="utf-8"?>
+<p1510:revInfo xmlns:a="http://schemas.openxmlformats.org/drawingml/2006/main" xmlns:r="http://schemas.openxmlformats.org/officeDocument/2006/relationships" xmlns:p1510="http://schemas.microsoft.com/office/powerpoint/2015/10/main">
+  <p1510:revLst>
+    <p1510:client id="{08F6A2EE-ACD6-A343-A054-ED007FBFA2C1}" v="15" dt="2023-03-28T23:45:27.792"/>
+  </p1510:revLst>
+</p1510:revInfo>
+</file>
+
+<file path=ppt/changesInfos/changesInfo1.xml><?xml version="1.0" encoding="utf-8"?>
+<pc:chgInfo xmlns:a="http://schemas.openxmlformats.org/drawingml/2006/main" xmlns:r="http://schemas.openxmlformats.org/officeDocument/2006/relationships" xmlns:ac="http://schemas.microsoft.com/office/drawing/2013/main/command" xmlns:pc="http://schemas.microsoft.com/office/powerpoint/2013/main/command">
+  <pc:docChgLst>
+    <pc:chgData name="Dave Glover" userId="baf1cdae0a412c89" providerId="LiveId" clId="{08F6A2EE-ACD6-A343-A054-ED007FBFA2C1}"/>
+    <pc:docChg chg="undo custSel modSld">
+      <pc:chgData name="Dave Glover" userId="baf1cdae0a412c89" providerId="LiveId" clId="{08F6A2EE-ACD6-A343-A054-ED007FBFA2C1}" dt="2023-03-28T23:45:27.791" v="322" actId="166"/>
+      <pc:docMkLst>
+        <pc:docMk/>
+      </pc:docMkLst>
+      <pc:sldChg chg="modSp mod">
+        <pc:chgData name="Dave Glover" userId="baf1cdae0a412c89" providerId="LiveId" clId="{08F6A2EE-ACD6-A343-A054-ED007FBFA2C1}" dt="2023-03-28T23:45:27.791" v="322" actId="166"/>
+        <pc:sldMkLst>
+          <pc:docMk/>
+          <pc:sldMk cId="2442839043" sldId="258"/>
+        </pc:sldMkLst>
+        <pc:spChg chg="mod">
+          <ac:chgData name="Dave Glover" userId="baf1cdae0a412c89" providerId="LiveId" clId="{08F6A2EE-ACD6-A343-A054-ED007FBFA2C1}" dt="2023-03-28T23:44:17.635" v="316" actId="171"/>
+          <ac:spMkLst>
+            <pc:docMk/>
+            <pc:sldMk cId="2442839043" sldId="258"/>
+            <ac:spMk id="2" creationId="{C1A10204-46F3-CD6C-1A6F-6C552CEED5E3}"/>
+          </ac:spMkLst>
+        </pc:spChg>
+        <pc:spChg chg="mod">
+          <ac:chgData name="Dave Glover" userId="baf1cdae0a412c89" providerId="LiveId" clId="{08F6A2EE-ACD6-A343-A054-ED007FBFA2C1}" dt="2023-03-28T23:45:16.702" v="321" actId="166"/>
+          <ac:spMkLst>
+            <pc:docMk/>
+            <pc:sldMk cId="2442839043" sldId="258"/>
+            <ac:spMk id="20" creationId="{749EEEB2-C191-4718-4265-C602050E262F}"/>
+          </ac:spMkLst>
+        </pc:spChg>
+        <pc:picChg chg="mod">
+          <ac:chgData name="Dave Glover" userId="baf1cdae0a412c89" providerId="LiveId" clId="{08F6A2EE-ACD6-A343-A054-ED007FBFA2C1}" dt="2023-03-28T23:45:27.791" v="322" actId="166"/>
+          <ac:picMkLst>
+            <pc:docMk/>
+            <pc:sldMk cId="2442839043" sldId="258"/>
+            <ac:picMk id="4" creationId="{6CE723B1-AB5C-7CD2-FAE1-9FED2CE15F3B}"/>
+          </ac:picMkLst>
+        </pc:picChg>
+      </pc:sldChg>
+      <pc:sldChg chg="modSp mod">
+        <pc:chgData name="Dave Glover" userId="baf1cdae0a412c89" providerId="LiveId" clId="{08F6A2EE-ACD6-A343-A054-ED007FBFA2C1}" dt="2023-03-27T06:53:22.495" v="10" actId="207"/>
+        <pc:sldMkLst>
+          <pc:docMk/>
+          <pc:sldMk cId="2207215621" sldId="261"/>
+        </pc:sldMkLst>
+        <pc:spChg chg="mod">
+          <ac:chgData name="Dave Glover" userId="baf1cdae0a412c89" providerId="LiveId" clId="{08F6A2EE-ACD6-A343-A054-ED007FBFA2C1}" dt="2023-03-27T04:03:45.901" v="7" actId="1076"/>
+          <ac:spMkLst>
+            <pc:docMk/>
+            <pc:sldMk cId="2207215621" sldId="261"/>
+            <ac:spMk id="4" creationId="{DC960751-EFFB-3603-FC25-A5040CA75906}"/>
+          </ac:spMkLst>
+        </pc:spChg>
+        <pc:picChg chg="mod">
+          <ac:chgData name="Dave Glover" userId="baf1cdae0a412c89" providerId="LiveId" clId="{08F6A2EE-ACD6-A343-A054-ED007FBFA2C1}" dt="2023-03-27T06:53:22.495" v="10" actId="207"/>
+          <ac:picMkLst>
+            <pc:docMk/>
+            <pc:sldMk cId="2207215621" sldId="261"/>
+            <ac:picMk id="5" creationId="{FA39F62A-62F1-557D-F658-459C00867D46}"/>
+          </ac:picMkLst>
+        </pc:picChg>
+      </pc:sldChg>
+    </pc:docChg>
+  </pc:docChgLst>
+</pc:chgInfo>
+</file>
+
 <file path=ppt/notesMasters/notesMaster1.xml><?xml version="1.0" encoding="utf-8"?>
 <p:notesMaster xmlns:a="http://schemas.openxmlformats.org/drawingml/2006/main" xmlns:r="http://schemas.openxmlformats.org/officeDocument/2006/relationships" xmlns:p="http://schemas.openxmlformats.org/presentationml/2006/main">
   <p:cSld>
@@ -211,7 +287,7 @@
           <a:p>
             <a:fld id="{9C0006A6-A0E1-4448-9C8A-A9C3311C55B4}" type="datetimeFigureOut">
               <a:rPr lang="en-US" smtClean="0"/>
-              <a:t>3/24/23</a:t>
+              <a:t>4/2/23</a:t>
             </a:fld>
             <a:endParaRPr lang="en-US"/>
           </a:p>
@@ -862,7 +938,7 @@
           <a:p>
             <a:fld id="{9191ECB3-2063-8F4C-AEB1-B7E7A249683A}" type="datetimeFigureOut">
               <a:rPr lang="en-US" smtClean="0"/>
-              <a:t>3/24/23</a:t>
+              <a:t>4/2/23</a:t>
             </a:fld>
             <a:endParaRPr lang="en-US"/>
           </a:p>
@@ -1032,7 +1108,7 @@
           <a:p>
             <a:fld id="{9191ECB3-2063-8F4C-AEB1-B7E7A249683A}" type="datetimeFigureOut">
               <a:rPr lang="en-US" smtClean="0"/>
-              <a:t>3/24/23</a:t>
+              <a:t>4/2/23</a:t>
             </a:fld>
             <a:endParaRPr lang="en-US"/>
           </a:p>
@@ -1212,7 +1288,7 @@
           <a:p>
             <a:fld id="{9191ECB3-2063-8F4C-AEB1-B7E7A249683A}" type="datetimeFigureOut">
               <a:rPr lang="en-US" smtClean="0"/>
-              <a:t>3/24/23</a:t>
+              <a:t>4/2/23</a:t>
             </a:fld>
             <a:endParaRPr lang="en-US"/>
           </a:p>
@@ -1382,7 +1458,7 @@
           <a:p>
             <a:fld id="{9191ECB3-2063-8F4C-AEB1-B7E7A249683A}" type="datetimeFigureOut">
               <a:rPr lang="en-US" smtClean="0"/>
-              <a:t>3/24/23</a:t>
+              <a:t>4/2/23</a:t>
             </a:fld>
             <a:endParaRPr lang="en-US"/>
           </a:p>
@@ -1628,7 +1704,7 @@
           <a:p>
             <a:fld id="{9191ECB3-2063-8F4C-AEB1-B7E7A249683A}" type="datetimeFigureOut">
               <a:rPr lang="en-US" smtClean="0"/>
-              <a:t>3/24/23</a:t>
+              <a:t>4/2/23</a:t>
             </a:fld>
             <a:endParaRPr lang="en-US"/>
           </a:p>
@@ -1860,7 +1936,7 @@
           <a:p>
             <a:fld id="{9191ECB3-2063-8F4C-AEB1-B7E7A249683A}" type="datetimeFigureOut">
               <a:rPr lang="en-US" smtClean="0"/>
-              <a:t>3/24/23</a:t>
+              <a:t>4/2/23</a:t>
             </a:fld>
             <a:endParaRPr lang="en-US"/>
           </a:p>
@@ -2227,7 +2303,7 @@
           <a:p>
             <a:fld id="{9191ECB3-2063-8F4C-AEB1-B7E7A249683A}" type="datetimeFigureOut">
               <a:rPr lang="en-US" smtClean="0"/>
-              <a:t>3/24/23</a:t>
+              <a:t>4/2/23</a:t>
             </a:fld>
             <a:endParaRPr lang="en-US"/>
           </a:p>
@@ -2345,7 +2421,7 @@
           <a:p>
             <a:fld id="{9191ECB3-2063-8F4C-AEB1-B7E7A249683A}" type="datetimeFigureOut">
               <a:rPr lang="en-US" smtClean="0"/>
-              <a:t>3/24/23</a:t>
+              <a:t>4/2/23</a:t>
             </a:fld>
             <a:endParaRPr lang="en-US"/>
           </a:p>
@@ -2440,7 +2516,7 @@
           <a:p>
             <a:fld id="{9191ECB3-2063-8F4C-AEB1-B7E7A249683A}" type="datetimeFigureOut">
               <a:rPr lang="en-US" smtClean="0"/>
-              <a:t>3/24/23</a:t>
+              <a:t>4/2/23</a:t>
             </a:fld>
             <a:endParaRPr lang="en-US"/>
           </a:p>
@@ -2717,7 +2793,7 @@
           <a:p>
             <a:fld id="{9191ECB3-2063-8F4C-AEB1-B7E7A249683A}" type="datetimeFigureOut">
               <a:rPr lang="en-US" smtClean="0"/>
-              <a:t>3/24/23</a:t>
+              <a:t>4/2/23</a:t>
             </a:fld>
             <a:endParaRPr lang="en-US"/>
           </a:p>
@@ -2974,7 +3050,7 @@
           <a:p>
             <a:fld id="{9191ECB3-2063-8F4C-AEB1-B7E7A249683A}" type="datetimeFigureOut">
               <a:rPr lang="en-US" smtClean="0"/>
-              <a:t>3/24/23</a:t>
+              <a:t>4/2/23</a:t>
             </a:fld>
             <a:endParaRPr lang="en-US"/>
           </a:p>
@@ -3187,7 +3263,7 @@
           <a:p>
             <a:fld id="{9191ECB3-2063-8F4C-AEB1-B7E7A249683A}" type="datetimeFigureOut">
               <a:rPr lang="en-US" smtClean="0"/>
-              <a:t>3/24/23</a:t>
+              <a:t>4/2/23</a:t>
             </a:fld>
             <a:endParaRPr lang="en-US"/>
           </a:p>
@@ -3578,6 +3654,16 @@
 <file path=ppt/slides/slide1.xml><?xml version="1.0" encoding="utf-8"?>
 <p:sld xmlns:a="http://schemas.openxmlformats.org/drawingml/2006/main" xmlns:r="http://schemas.openxmlformats.org/officeDocument/2006/relationships" xmlns:p="http://schemas.openxmlformats.org/presentationml/2006/main">
   <p:cSld>
+    <p:bg>
+      <p:bgPr>
+        <a:solidFill>
+          <a:schemeClr val="bg1">
+            <a:lumMod val="95000"/>
+          </a:schemeClr>
+        </a:solidFill>
+        <a:effectLst/>
+      </p:bgPr>
+    </p:bg>
     <p:spTree>
       <p:nvGrpSpPr>
         <p:cNvPr id="1" name=""/>
@@ -3612,23 +3698,13 @@
           <a:prstGeom prst="rect">
             <a:avLst/>
           </a:prstGeom>
-          <a:solidFill>
-            <a:srgbClr val="FFFFFF"/>
-          </a:solidFill>
+          <a:noFill/>
           <a:ln w="76200">
             <a:solidFill>
-              <a:schemeClr val="bg2">
-                <a:lumMod val="90000"/>
-              </a:schemeClr>
+              <a:schemeClr val="tx1"/>
             </a:solidFill>
           </a:ln>
-          <a:effectLst>
-            <a:outerShdw blurRad="50800" dist="38100" dir="2700000" algn="tl" rotWithShape="0">
-              <a:prstClr val="black">
-                <a:alpha val="40000"/>
-              </a:prstClr>
-            </a:outerShdw>
-          </a:effectLst>
+          <a:effectLst/>
         </p:spPr>
         <p:style>
           <a:lnRef idx="2">
@@ -3651,7 +3727,13 @@
           <a:lstStyle/>
           <a:p>
             <a:pPr algn="ctr"/>
-            <a:endParaRPr lang="en-US"/>
+            <a:endParaRPr lang="en-US">
+              <a:solidFill>
+                <a:srgbClr val="050B20"/>
+              </a:solidFill>
+              <a:latin typeface="Arial" panose="020B0604020202020204" pitchFamily="34" charset="0"/>
+              <a:cs typeface="Arial" panose="020B0604020202020204" pitchFamily="34" charset="0"/>
+            </a:endParaRPr>
           </a:p>
         </p:txBody>
       </p:sp>
@@ -3676,7 +3758,9 @@
             <a:avLst/>
           </a:prstGeom>
           <a:solidFill>
-            <a:srgbClr val="FFFFFF"/>
+            <a:schemeClr val="bg1">
+              <a:lumMod val="95000"/>
+            </a:schemeClr>
           </a:solidFill>
           <a:ln>
             <a:noFill/>
@@ -3703,7 +3787,13 @@
           <a:lstStyle/>
           <a:p>
             <a:pPr algn="ctr"/>
-            <a:endParaRPr lang="en-US"/>
+            <a:endParaRPr lang="en-US">
+              <a:solidFill>
+                <a:srgbClr val="050B20"/>
+              </a:solidFill>
+              <a:latin typeface="Arial" panose="020B0604020202020204" pitchFamily="34" charset="0"/>
+              <a:cs typeface="Arial" panose="020B0604020202020204" pitchFamily="34" charset="0"/>
+            </a:endParaRPr>
           </a:p>
         </p:txBody>
       </p:sp>
@@ -3771,7 +3861,7 @@
         </p:blipFill>
         <p:spPr>
           <a:xfrm>
-            <a:off x="2728156" y="12659498"/>
+            <a:off x="2679388" y="12659498"/>
             <a:ext cx="908538" cy="908538"/>
           </a:xfrm>
           <a:prstGeom prst="rect">
@@ -3866,13 +3956,15 @@
         <p:spPr>
           <a:xfrm>
             <a:off x="9692659" y="166662"/>
-            <a:ext cx="5021888" cy="861774"/>
+            <a:ext cx="5668539" cy="861774"/>
           </a:xfrm>
           <a:prstGeom prst="rect">
             <a:avLst/>
           </a:prstGeom>
           <a:solidFill>
-            <a:srgbClr val="FFFFFF"/>
+            <a:schemeClr val="bg1">
+              <a:lumMod val="95000"/>
+            </a:schemeClr>
           </a:solidFill>
         </p:spPr>
         <p:txBody>
@@ -3884,8 +3976,10 @@
             <a:r>
               <a:rPr lang="en-US" sz="5000" dirty="0">
                 <a:solidFill>
-                  <a:srgbClr val="AFABAB"/>
+                  <a:srgbClr val="050B20"/>
                 </a:solidFill>
+                <a:latin typeface="Arial" panose="020B0604020202020204" pitchFamily="34" charset="0"/>
+                <a:cs typeface="Arial" panose="020B0604020202020204" pitchFamily="34" charset="0"/>
               </a:rPr>
               <a:t>#30DaysOfAzureAI</a:t>
             </a:r>
@@ -3906,14 +4000,16 @@
         </p:nvSpPr>
         <p:spPr>
           <a:xfrm>
-            <a:off x="17057073" y="166662"/>
-            <a:ext cx="6042552" cy="861774"/>
+            <a:off x="17077855" y="12718874"/>
+            <a:ext cx="6271269" cy="861774"/>
           </a:xfrm>
           <a:prstGeom prst="rect">
             <a:avLst/>
           </a:prstGeom>
           <a:solidFill>
-            <a:srgbClr val="FFFFFF"/>
+            <a:schemeClr val="bg1">
+              <a:lumMod val="95000"/>
+            </a:schemeClr>
           </a:solidFill>
         </p:spPr>
         <p:txBody>
@@ -3925,49 +4021,59 @@
             <a:r>
               <a:rPr lang="en-US" sz="5000" dirty="0">
                 <a:solidFill>
-                  <a:srgbClr val="AFABAB"/>
+                  <a:srgbClr val="050B20"/>
                 </a:solidFill>
+                <a:latin typeface="Arial" panose="020B0604020202020204" pitchFamily="34" charset="0"/>
+                <a:cs typeface="Arial" panose="020B0604020202020204" pitchFamily="34" charset="0"/>
               </a:rPr>
               <a:t>https://</a:t>
             </a:r>
             <a:r>
               <a:rPr lang="en-US" sz="5000" dirty="0" err="1">
                 <a:solidFill>
-                  <a:srgbClr val="AFABAB"/>
+                  <a:srgbClr val="050B20"/>
                 </a:solidFill>
+                <a:latin typeface="Arial" panose="020B0604020202020204" pitchFamily="34" charset="0"/>
+                <a:cs typeface="Arial" panose="020B0604020202020204" pitchFamily="34" charset="0"/>
               </a:rPr>
               <a:t>aka.ms</a:t>
             </a:r>
             <a:r>
               <a:rPr lang="en-US" sz="5000" dirty="0">
                 <a:solidFill>
-                  <a:srgbClr val="AFABAB"/>
+                  <a:srgbClr val="050B20"/>
                 </a:solidFill>
+                <a:latin typeface="Arial" panose="020B0604020202020204" pitchFamily="34" charset="0"/>
+                <a:cs typeface="Arial" panose="020B0604020202020204" pitchFamily="34" charset="0"/>
               </a:rPr>
               <a:t>/ai-</a:t>
             </a:r>
             <a:r>
               <a:rPr lang="en-US" sz="5000" dirty="0" err="1">
                 <a:solidFill>
-                  <a:srgbClr val="AFABAB"/>
+                  <a:srgbClr val="050B20"/>
                 </a:solidFill>
+                <a:latin typeface="Arial" panose="020B0604020202020204" pitchFamily="34" charset="0"/>
+                <a:cs typeface="Arial" panose="020B0604020202020204" pitchFamily="34" charset="0"/>
               </a:rPr>
               <a:t>april</a:t>
             </a:r>
             <a:endParaRPr lang="en-US" sz="5000" dirty="0">
               <a:solidFill>
-                <a:srgbClr val="AFABAB"/>
+                <a:srgbClr val="050B20"/>
               </a:solidFill>
+              <a:latin typeface="Arial" panose="020B0604020202020204" pitchFamily="34" charset="0"/>
+              <a:cs typeface="Arial" panose="020B0604020202020204" pitchFamily="34" charset="0"/>
             </a:endParaRPr>
           </a:p>
         </p:txBody>
       </p:sp>
       <p:pic>
         <p:nvPicPr>
-          <p:cNvPr id="4" name="Graphic 3">
+          <p:cNvPr id="6" name="Picture 5" descr="Logo&#10;&#10;Description automatically generated">
             <a:extLst>
               <a:ext uri="{FF2B5EF4-FFF2-40B4-BE49-F238E27FC236}">
-                <a16:creationId xmlns:a16="http://schemas.microsoft.com/office/drawing/2014/main" id="{6CE723B1-AB5C-7CD2-FAE1-9FED2CE15F3B}"/>
+                <a16:creationId xmlns:a16="http://schemas.microsoft.com/office/drawing/2014/main" id="{9B14D1BE-0E7A-F6D4-2A1E-F383FADD3612}"/>
               </a:ext>
             </a:extLst>
           </p:cNvPr>
@@ -3976,21 +4082,16 @@
           </p:cNvPicPr>
           <p:nvPr/>
         </p:nvPicPr>
-        <p:blipFill rotWithShape="1">
-          <a:blip r:embed="rId11">
-            <a:extLst>
-              <a:ext uri="{96DAC541-7B7A-43D3-8B79-37D633B846F1}">
-                <asvg:svgBlip xmlns:asvg="http://schemas.microsoft.com/office/drawing/2016/SVG/main" r:embed="rId12"/>
-              </a:ext>
-            </a:extLst>
-          </a:blip>
-          <a:srcRect l="811" t="10256" r="911" b="33057"/>
-          <a:stretch/>
+        <p:blipFill>
+          <a:blip r:embed="rId11"/>
+          <a:stretch>
+            <a:fillRect/>
+          </a:stretch>
         </p:blipFill>
         <p:spPr>
           <a:xfrm>
-            <a:off x="209428" y="592808"/>
-            <a:ext cx="23963558" cy="12565980"/>
+            <a:off x="0" y="394021"/>
+            <a:ext cx="2825496" cy="1268830"/>
           </a:xfrm>
           <a:prstGeom prst="rect">
             <a:avLst/>
@@ -4658,61 +4759,6 @@
           </a:p>
         </p:txBody>
       </p:sp>
-      <p:sp>
-        <p:nvSpPr>
-          <p:cNvPr id="4" name="TextBox 3">
-            <a:extLst>
-              <a:ext uri="{FF2B5EF4-FFF2-40B4-BE49-F238E27FC236}">
-                <a16:creationId xmlns:a16="http://schemas.microsoft.com/office/drawing/2014/main" id="{DC960751-EFFB-3603-FC25-A5040CA75906}"/>
-              </a:ext>
-            </a:extLst>
-          </p:cNvPr>
-          <p:cNvSpPr txBox="1"/>
-          <p:nvPr/>
-        </p:nvSpPr>
-        <p:spPr>
-          <a:xfrm>
-            <a:off x="9140441" y="2026456"/>
-            <a:ext cx="6127831" cy="584775"/>
-          </a:xfrm>
-          <a:prstGeom prst="rect">
-            <a:avLst/>
-          </a:prstGeom>
-          <a:noFill/>
-        </p:spPr>
-        <p:txBody>
-          <a:bodyPr wrap="none" rtlCol="0">
-            <a:spAutoFit/>
-          </a:bodyPr>
-          <a:lstStyle/>
-          <a:p>
-            <a:r>
-              <a:rPr lang="en-US" sz="3200" dirty="0">
-                <a:solidFill>
-                  <a:schemeClr val="bg1"/>
-                </a:solidFill>
-              </a:rPr>
-              <a:t>https://</a:t>
-            </a:r>
-            <a:r>
-              <a:rPr lang="en-US" sz="3200" dirty="0" err="1">
-                <a:solidFill>
-                  <a:schemeClr val="bg1"/>
-                </a:solidFill>
-              </a:rPr>
-              <a:t>aka.ms</a:t>
-            </a:r>
-            <a:r>
-              <a:rPr lang="en-US" sz="3200" dirty="0">
-                <a:solidFill>
-                  <a:schemeClr val="bg1"/>
-                </a:solidFill>
-              </a:rPr>
-              <a:t>/30-days-ai-roadmap</a:t>
-            </a:r>
-          </a:p>
-        </p:txBody>
-      </p:sp>
       <p:pic>
         <p:nvPicPr>
           <p:cNvPr id="5" name="Graphic 4">
@@ -4749,6 +4795,61 @@
           </a:prstGeom>
         </p:spPr>
       </p:pic>
+      <p:sp>
+        <p:nvSpPr>
+          <p:cNvPr id="4" name="TextBox 3">
+            <a:extLst>
+              <a:ext uri="{FF2B5EF4-FFF2-40B4-BE49-F238E27FC236}">
+                <a16:creationId xmlns:a16="http://schemas.microsoft.com/office/drawing/2014/main" id="{DC960751-EFFB-3603-FC25-A5040CA75906}"/>
+              </a:ext>
+            </a:extLst>
+          </p:cNvPr>
+          <p:cNvSpPr txBox="1"/>
+          <p:nvPr/>
+        </p:nvSpPr>
+        <p:spPr>
+          <a:xfrm>
+            <a:off x="8776944" y="2302489"/>
+            <a:ext cx="6854825" cy="646331"/>
+          </a:xfrm>
+          <a:prstGeom prst="rect">
+            <a:avLst/>
+          </a:prstGeom>
+          <a:noFill/>
+        </p:spPr>
+        <p:txBody>
+          <a:bodyPr wrap="none" rtlCol="0">
+            <a:spAutoFit/>
+          </a:bodyPr>
+          <a:lstStyle/>
+          <a:p>
+            <a:r>
+              <a:rPr lang="en-US" sz="3600" dirty="0">
+                <a:solidFill>
+                  <a:schemeClr val="bg1"/>
+                </a:solidFill>
+              </a:rPr>
+              <a:t>https://</a:t>
+            </a:r>
+            <a:r>
+              <a:rPr lang="en-US" sz="3600" dirty="0" err="1">
+                <a:solidFill>
+                  <a:schemeClr val="bg1"/>
+                </a:solidFill>
+              </a:rPr>
+              <a:t>aka.ms</a:t>
+            </a:r>
+            <a:r>
+              <a:rPr lang="en-US" sz="3600" dirty="0">
+                <a:solidFill>
+                  <a:schemeClr val="bg1"/>
+                </a:solidFill>
+              </a:rPr>
+              <a:t>/30-days-ai-roadmap</a:t>
+            </a:r>
+          </a:p>
+        </p:txBody>
+      </p:sp>
     </p:spTree>
     <p:extLst>
       <p:ext uri="{BB962C8B-B14F-4D97-AF65-F5344CB8AC3E}">

--- a/assets/banner-1080p.pptx
+++ b/assets/banner-1080p.pptx
@@ -113,7 +113,7 @@
   <p:extLst>
     <p:ext uri="{EFAFB233-063F-42B5-8137-9DF3F51BA10A}">
       <p15:sldGuideLst xmlns:p15="http://schemas.microsoft.com/office/powerpoint/2012/main">
-        <p15:guide id="1" orient="horz" pos="5908" userDrawn="1">
+        <p15:guide id="1" orient="horz" pos="8153" userDrawn="1">
           <p15:clr>
             <a:srgbClr val="A4A3A4"/>
           </p15:clr>
@@ -287,7 +287,7 @@
           <a:p>
             <a:fld id="{9C0006A6-A0E1-4448-9C8A-A9C3311C55B4}" type="datetimeFigureOut">
               <a:rPr lang="en-US" smtClean="0"/>
-              <a:t>4/2/23</a:t>
+              <a:t>4/6/23</a:t>
             </a:fld>
             <a:endParaRPr lang="en-US"/>
           </a:p>
@@ -938,7 +938,7 @@
           <a:p>
             <a:fld id="{9191ECB3-2063-8F4C-AEB1-B7E7A249683A}" type="datetimeFigureOut">
               <a:rPr lang="en-US" smtClean="0"/>
-              <a:t>4/2/23</a:t>
+              <a:t>4/6/23</a:t>
             </a:fld>
             <a:endParaRPr lang="en-US"/>
           </a:p>
@@ -1108,7 +1108,7 @@
           <a:p>
             <a:fld id="{9191ECB3-2063-8F4C-AEB1-B7E7A249683A}" type="datetimeFigureOut">
               <a:rPr lang="en-US" smtClean="0"/>
-              <a:t>4/2/23</a:t>
+              <a:t>4/6/23</a:t>
             </a:fld>
             <a:endParaRPr lang="en-US"/>
           </a:p>
@@ -1288,7 +1288,7 @@
           <a:p>
             <a:fld id="{9191ECB3-2063-8F4C-AEB1-B7E7A249683A}" type="datetimeFigureOut">
               <a:rPr lang="en-US" smtClean="0"/>
-              <a:t>4/2/23</a:t>
+              <a:t>4/6/23</a:t>
             </a:fld>
             <a:endParaRPr lang="en-US"/>
           </a:p>
@@ -1458,7 +1458,7 @@
           <a:p>
             <a:fld id="{9191ECB3-2063-8F4C-AEB1-B7E7A249683A}" type="datetimeFigureOut">
               <a:rPr lang="en-US" smtClean="0"/>
-              <a:t>4/2/23</a:t>
+              <a:t>4/6/23</a:t>
             </a:fld>
             <a:endParaRPr lang="en-US"/>
           </a:p>
@@ -1704,7 +1704,7 @@
           <a:p>
             <a:fld id="{9191ECB3-2063-8F4C-AEB1-B7E7A249683A}" type="datetimeFigureOut">
               <a:rPr lang="en-US" smtClean="0"/>
-              <a:t>4/2/23</a:t>
+              <a:t>4/6/23</a:t>
             </a:fld>
             <a:endParaRPr lang="en-US"/>
           </a:p>
@@ -1936,7 +1936,7 @@
           <a:p>
             <a:fld id="{9191ECB3-2063-8F4C-AEB1-B7E7A249683A}" type="datetimeFigureOut">
               <a:rPr lang="en-US" smtClean="0"/>
-              <a:t>4/2/23</a:t>
+              <a:t>4/6/23</a:t>
             </a:fld>
             <a:endParaRPr lang="en-US"/>
           </a:p>
@@ -2303,7 +2303,7 @@
           <a:p>
             <a:fld id="{9191ECB3-2063-8F4C-AEB1-B7E7A249683A}" type="datetimeFigureOut">
               <a:rPr lang="en-US" smtClean="0"/>
-              <a:t>4/2/23</a:t>
+              <a:t>4/6/23</a:t>
             </a:fld>
             <a:endParaRPr lang="en-US"/>
           </a:p>
@@ -2421,7 +2421,7 @@
           <a:p>
             <a:fld id="{9191ECB3-2063-8F4C-AEB1-B7E7A249683A}" type="datetimeFigureOut">
               <a:rPr lang="en-US" smtClean="0"/>
-              <a:t>4/2/23</a:t>
+              <a:t>4/6/23</a:t>
             </a:fld>
             <a:endParaRPr lang="en-US"/>
           </a:p>
@@ -2516,7 +2516,7 @@
           <a:p>
             <a:fld id="{9191ECB3-2063-8F4C-AEB1-B7E7A249683A}" type="datetimeFigureOut">
               <a:rPr lang="en-US" smtClean="0"/>
-              <a:t>4/2/23</a:t>
+              <a:t>4/6/23</a:t>
             </a:fld>
             <a:endParaRPr lang="en-US"/>
           </a:p>
@@ -2793,7 +2793,7 @@
           <a:p>
             <a:fld id="{9191ECB3-2063-8F4C-AEB1-B7E7A249683A}" type="datetimeFigureOut">
               <a:rPr lang="en-US" smtClean="0"/>
-              <a:t>4/2/23</a:t>
+              <a:t>4/6/23</a:t>
             </a:fld>
             <a:endParaRPr lang="en-US"/>
           </a:p>
@@ -3050,7 +3050,7 @@
           <a:p>
             <a:fld id="{9191ECB3-2063-8F4C-AEB1-B7E7A249683A}" type="datetimeFigureOut">
               <a:rPr lang="en-US" smtClean="0"/>
-              <a:t>4/2/23</a:t>
+              <a:t>4/6/23</a:t>
             </a:fld>
             <a:endParaRPr lang="en-US"/>
           </a:p>
@@ -3263,7 +3263,7 @@
           <a:p>
             <a:fld id="{9191ECB3-2063-8F4C-AEB1-B7E7A249683A}" type="datetimeFigureOut">
               <a:rPr lang="en-US" smtClean="0"/>
-              <a:t>4/2/23</a:t>
+              <a:t>4/6/23</a:t>
             </a:fld>
             <a:endParaRPr lang="en-US"/>
           </a:p>
@@ -3692,8 +3692,8 @@
         </p:nvSpPr>
         <p:spPr>
           <a:xfrm>
-            <a:off x="234462" y="592808"/>
-            <a:ext cx="23938523" cy="12565980"/>
+            <a:off x="234462" y="804672"/>
+            <a:ext cx="23938523" cy="12138216"/>
           </a:xfrm>
           <a:prstGeom prst="rect">
             <a:avLst/>
@@ -3701,7 +3701,9 @@
           <a:noFill/>
           <a:ln w="76200">
             <a:solidFill>
-              <a:schemeClr val="tx1"/>
+              <a:schemeClr val="bg1">
+                <a:lumMod val="75000"/>
+              </a:schemeClr>
             </a:solidFill>
           </a:ln>
           <a:effectLst/>
@@ -3739,210 +3741,6 @@
       </p:sp>
       <p:sp>
         <p:nvSpPr>
-          <p:cNvPr id="8" name="Rectangle 7">
-            <a:extLst>
-              <a:ext uri="{FF2B5EF4-FFF2-40B4-BE49-F238E27FC236}">
-                <a16:creationId xmlns:a16="http://schemas.microsoft.com/office/drawing/2014/main" id="{92A24768-DD50-21B0-35AB-906C5795760E}"/>
-              </a:ext>
-            </a:extLst>
-          </p:cNvPr>
-          <p:cNvSpPr/>
-          <p:nvPr/>
-        </p:nvSpPr>
-        <p:spPr>
-          <a:xfrm>
-            <a:off x="1406769" y="12648409"/>
-            <a:ext cx="4372709" cy="994996"/>
-          </a:xfrm>
-          <a:prstGeom prst="rect">
-            <a:avLst/>
-          </a:prstGeom>
-          <a:solidFill>
-            <a:schemeClr val="bg1">
-              <a:lumMod val="95000"/>
-            </a:schemeClr>
-          </a:solidFill>
-          <a:ln>
-            <a:noFill/>
-          </a:ln>
-        </p:spPr>
-        <p:style>
-          <a:lnRef idx="2">
-            <a:schemeClr val="accent1">
-              <a:shade val="50000"/>
-            </a:schemeClr>
-          </a:lnRef>
-          <a:fillRef idx="1">
-            <a:schemeClr val="accent1"/>
-          </a:fillRef>
-          <a:effectRef idx="0">
-            <a:schemeClr val="accent1"/>
-          </a:effectRef>
-          <a:fontRef idx="minor">
-            <a:schemeClr val="lt1"/>
-          </a:fontRef>
-        </p:style>
-        <p:txBody>
-          <a:bodyPr rtlCol="0" anchor="ctr"/>
-          <a:lstStyle/>
-          <a:p>
-            <a:pPr algn="ctr"/>
-            <a:endParaRPr lang="en-US">
-              <a:solidFill>
-                <a:srgbClr val="050B20"/>
-              </a:solidFill>
-              <a:latin typeface="Arial" panose="020B0604020202020204" pitchFamily="34" charset="0"/>
-              <a:cs typeface="Arial" panose="020B0604020202020204" pitchFamily="34" charset="0"/>
-            </a:endParaRPr>
-          </a:p>
-        </p:txBody>
-      </p:sp>
-      <p:pic>
-        <p:nvPicPr>
-          <p:cNvPr id="10" name="Graphic 9" descr="Daily calendar outline">
-            <a:extLst>
-              <a:ext uri="{FF2B5EF4-FFF2-40B4-BE49-F238E27FC236}">
-                <a16:creationId xmlns:a16="http://schemas.microsoft.com/office/drawing/2014/main" id="{A5CE2CE2-AABF-3090-6030-44D425449616}"/>
-              </a:ext>
-            </a:extLst>
-          </p:cNvPr>
-          <p:cNvPicPr>
-            <a:picLocks noChangeAspect="1"/>
-          </p:cNvPicPr>
-          <p:nvPr/>
-        </p:nvPicPr>
-        <p:blipFill>
-          <a:blip r:embed="rId3">
-            <a:extLst>
-              <a:ext uri="{96DAC541-7B7A-43D3-8B79-37D633B846F1}">
-                <asvg:svgBlip xmlns:asvg="http://schemas.microsoft.com/office/drawing/2016/SVG/main" r:embed="rId4"/>
-              </a:ext>
-            </a:extLst>
-          </a:blip>
-          <a:stretch>
-            <a:fillRect/>
-          </a:stretch>
-        </p:blipFill>
-        <p:spPr>
-          <a:xfrm>
-            <a:off x="1491471" y="12626404"/>
-            <a:ext cx="1075883" cy="1075883"/>
-          </a:xfrm>
-          <a:prstGeom prst="rect">
-            <a:avLst/>
-          </a:prstGeom>
-        </p:spPr>
-      </p:pic>
-      <p:pic>
-        <p:nvPicPr>
-          <p:cNvPr id="12" name="Graphic 11">
-            <a:extLst>
-              <a:ext uri="{FF2B5EF4-FFF2-40B4-BE49-F238E27FC236}">
-                <a16:creationId xmlns:a16="http://schemas.microsoft.com/office/drawing/2014/main" id="{ECF95C2D-2309-9094-F059-2C15D663A2AC}"/>
-              </a:ext>
-            </a:extLst>
-          </p:cNvPr>
-          <p:cNvPicPr>
-            <a:picLocks noChangeAspect="1"/>
-          </p:cNvPicPr>
-          <p:nvPr/>
-        </p:nvPicPr>
-        <p:blipFill>
-          <a:blip r:embed="rId5">
-            <a:extLst>
-              <a:ext uri="{96DAC541-7B7A-43D3-8B79-37D633B846F1}">
-                <asvg:svgBlip xmlns:asvg="http://schemas.microsoft.com/office/drawing/2016/SVG/main" r:embed="rId6"/>
-              </a:ext>
-            </a:extLst>
-          </a:blip>
-          <a:stretch>
-            <a:fillRect/>
-          </a:stretch>
-        </p:blipFill>
-        <p:spPr>
-          <a:xfrm>
-            <a:off x="2679388" y="12659498"/>
-            <a:ext cx="908538" cy="908538"/>
-          </a:xfrm>
-          <a:prstGeom prst="rect">
-            <a:avLst/>
-          </a:prstGeom>
-        </p:spPr>
-      </p:pic>
-      <p:pic>
-        <p:nvPicPr>
-          <p:cNvPr id="16" name="Graphic 15">
-            <a:extLst>
-              <a:ext uri="{FF2B5EF4-FFF2-40B4-BE49-F238E27FC236}">
-                <a16:creationId xmlns:a16="http://schemas.microsoft.com/office/drawing/2014/main" id="{68A9C1F8-DBBC-7AB7-66FD-79E5625FF184}"/>
-              </a:ext>
-            </a:extLst>
-          </p:cNvPr>
-          <p:cNvPicPr>
-            <a:picLocks noChangeAspect="1"/>
-          </p:cNvPicPr>
-          <p:nvPr/>
-        </p:nvPicPr>
-        <p:blipFill>
-          <a:blip r:embed="rId7">
-            <a:extLst>
-              <a:ext uri="{96DAC541-7B7A-43D3-8B79-37D633B846F1}">
-                <asvg:svgBlip xmlns:asvg="http://schemas.microsoft.com/office/drawing/2016/SVG/main" r:embed="rId8"/>
-              </a:ext>
-            </a:extLst>
-          </a:blip>
-          <a:stretch>
-            <a:fillRect/>
-          </a:stretch>
-        </p:blipFill>
-        <p:spPr>
-          <a:xfrm>
-            <a:off x="3797498" y="12722510"/>
-            <a:ext cx="908539" cy="908539"/>
-          </a:xfrm>
-          <a:prstGeom prst="rect">
-            <a:avLst/>
-          </a:prstGeom>
-        </p:spPr>
-      </p:pic>
-      <p:pic>
-        <p:nvPicPr>
-          <p:cNvPr id="18" name="Graphic 17">
-            <a:extLst>
-              <a:ext uri="{FF2B5EF4-FFF2-40B4-BE49-F238E27FC236}">
-                <a16:creationId xmlns:a16="http://schemas.microsoft.com/office/drawing/2014/main" id="{AC1A4B83-4CF6-8987-8908-43E0E82FDF7F}"/>
-              </a:ext>
-            </a:extLst>
-          </p:cNvPr>
-          <p:cNvPicPr>
-            <a:picLocks noChangeAspect="1"/>
-          </p:cNvPicPr>
-          <p:nvPr/>
-        </p:nvPicPr>
-        <p:blipFill>
-          <a:blip r:embed="rId9">
-            <a:extLst>
-              <a:ext uri="{96DAC541-7B7A-43D3-8B79-37D633B846F1}">
-                <asvg:svgBlip xmlns:asvg="http://schemas.microsoft.com/office/drawing/2016/SVG/main" r:embed="rId10"/>
-              </a:ext>
-            </a:extLst>
-          </a:blip>
-          <a:stretch>
-            <a:fillRect/>
-          </a:stretch>
-        </p:blipFill>
-        <p:spPr>
-          <a:xfrm>
-            <a:off x="4866839" y="12789974"/>
-            <a:ext cx="778063" cy="778063"/>
-          </a:xfrm>
-          <a:prstGeom prst="rect">
-            <a:avLst/>
-          </a:prstGeom>
-        </p:spPr>
-      </p:pic>
-      <p:sp>
-        <p:nvSpPr>
           <p:cNvPr id="19" name="TextBox 18">
             <a:extLst>
               <a:ext uri="{FF2B5EF4-FFF2-40B4-BE49-F238E27FC236}">
@@ -3955,7 +3753,7 @@
         </p:nvSpPr>
         <p:spPr>
           <a:xfrm>
-            <a:off x="9692659" y="166662"/>
+            <a:off x="9371381" y="361734"/>
             <a:ext cx="5668539" cy="861774"/>
           </a:xfrm>
           <a:prstGeom prst="rect">
@@ -3975,9 +3773,6 @@
           <a:p>
             <a:r>
               <a:rPr lang="en-US" sz="5000" dirty="0">
-                <a:solidFill>
-                  <a:srgbClr val="050B20"/>
-                </a:solidFill>
                 <a:latin typeface="Arial" panose="020B0604020202020204" pitchFamily="34" charset="0"/>
                 <a:cs typeface="Arial" panose="020B0604020202020204" pitchFamily="34" charset="0"/>
               </a:rPr>
@@ -4000,7 +3795,7 @@
         </p:nvSpPr>
         <p:spPr>
           <a:xfrm>
-            <a:off x="17077855" y="12718874"/>
+            <a:off x="17077855" y="12503378"/>
             <a:ext cx="6271269" cy="861774"/>
           </a:xfrm>
           <a:prstGeom prst="rect">
@@ -4020,9 +3815,6 @@
           <a:p>
             <a:r>
               <a:rPr lang="en-US" sz="5000" dirty="0">
-                <a:solidFill>
-                  <a:srgbClr val="050B20"/>
-                </a:solidFill>
                 <a:latin typeface="Arial" panose="020B0604020202020204" pitchFamily="34" charset="0"/>
                 <a:cs typeface="Arial" panose="020B0604020202020204" pitchFamily="34" charset="0"/>
               </a:rPr>
@@ -4030,9 +3822,6 @@
             </a:r>
             <a:r>
               <a:rPr lang="en-US" sz="5000" dirty="0" err="1">
-                <a:solidFill>
-                  <a:srgbClr val="050B20"/>
-                </a:solidFill>
                 <a:latin typeface="Arial" panose="020B0604020202020204" pitchFamily="34" charset="0"/>
                 <a:cs typeface="Arial" panose="020B0604020202020204" pitchFamily="34" charset="0"/>
               </a:rPr>
@@ -4040,9 +3829,6 @@
             </a:r>
             <a:r>
               <a:rPr lang="en-US" sz="5000" dirty="0">
-                <a:solidFill>
-                  <a:srgbClr val="050B20"/>
-                </a:solidFill>
                 <a:latin typeface="Arial" panose="020B0604020202020204" pitchFamily="34" charset="0"/>
                 <a:cs typeface="Arial" panose="020B0604020202020204" pitchFamily="34" charset="0"/>
               </a:rPr>
@@ -4050,18 +3836,12 @@
             </a:r>
             <a:r>
               <a:rPr lang="en-US" sz="5000" dirty="0" err="1">
-                <a:solidFill>
-                  <a:srgbClr val="050B20"/>
-                </a:solidFill>
                 <a:latin typeface="Arial" panose="020B0604020202020204" pitchFamily="34" charset="0"/>
                 <a:cs typeface="Arial" panose="020B0604020202020204" pitchFamily="34" charset="0"/>
               </a:rPr>
               <a:t>april</a:t>
             </a:r>
             <a:endParaRPr lang="en-US" sz="5000" dirty="0">
-              <a:solidFill>
-                <a:srgbClr val="050B20"/>
-              </a:solidFill>
               <a:latin typeface="Arial" panose="020B0604020202020204" pitchFamily="34" charset="0"/>
               <a:cs typeface="Arial" panose="020B0604020202020204" pitchFamily="34" charset="0"/>
             </a:endParaRPr>
@@ -4083,14 +3863,14 @@
           <p:nvPr/>
         </p:nvPicPr>
         <p:blipFill>
-          <a:blip r:embed="rId11"/>
+          <a:blip r:embed="rId3"/>
           <a:stretch>
             <a:fillRect/>
           </a:stretch>
         </p:blipFill>
         <p:spPr>
           <a:xfrm>
-            <a:off x="0" y="394021"/>
+            <a:off x="0" y="565699"/>
             <a:ext cx="2825496" cy="1268830"/>
           </a:xfrm>
           <a:prstGeom prst="rect">

--- a/assets/banner-1080p.pptx
+++ b/assets/banner-1080p.pptx
@@ -5,13 +5,14 @@
     <p:sldMasterId id="2147483672" r:id="rId1"/>
   </p:sldMasterIdLst>
   <p:notesMasterIdLst>
-    <p:notesMasterId r:id="rId6"/>
+    <p:notesMasterId r:id="rId7"/>
   </p:notesMasterIdLst>
   <p:sldIdLst>
     <p:sldId id="258" r:id="rId2"/>
     <p:sldId id="259" r:id="rId3"/>
     <p:sldId id="260" r:id="rId4"/>
     <p:sldId id="261" r:id="rId5"/>
+    <p:sldId id="262" r:id="rId6"/>
   </p:sldIdLst>
   <p:sldSz cx="24382413" cy="13716000"/>
   <p:notesSz cx="6858000" cy="9144000"/>
@@ -287,7 +288,7 @@
           <a:p>
             <a:fld id="{9C0006A6-A0E1-4448-9C8A-A9C3311C55B4}" type="datetimeFigureOut">
               <a:rPr lang="en-US" smtClean="0"/>
-              <a:t>4/6/23</a:t>
+              <a:t>5/15/23</a:t>
             </a:fld>
             <a:endParaRPr lang="en-US"/>
           </a:p>
@@ -938,7 +939,7 @@
           <a:p>
             <a:fld id="{9191ECB3-2063-8F4C-AEB1-B7E7A249683A}" type="datetimeFigureOut">
               <a:rPr lang="en-US" smtClean="0"/>
-              <a:t>4/6/23</a:t>
+              <a:t>5/15/23</a:t>
             </a:fld>
             <a:endParaRPr lang="en-US"/>
           </a:p>
@@ -1108,7 +1109,7 @@
           <a:p>
             <a:fld id="{9191ECB3-2063-8F4C-AEB1-B7E7A249683A}" type="datetimeFigureOut">
               <a:rPr lang="en-US" smtClean="0"/>
-              <a:t>4/6/23</a:t>
+              <a:t>5/15/23</a:t>
             </a:fld>
             <a:endParaRPr lang="en-US"/>
           </a:p>
@@ -1288,7 +1289,7 @@
           <a:p>
             <a:fld id="{9191ECB3-2063-8F4C-AEB1-B7E7A249683A}" type="datetimeFigureOut">
               <a:rPr lang="en-US" smtClean="0"/>
-              <a:t>4/6/23</a:t>
+              <a:t>5/15/23</a:t>
             </a:fld>
             <a:endParaRPr lang="en-US"/>
           </a:p>
@@ -1458,7 +1459,7 @@
           <a:p>
             <a:fld id="{9191ECB3-2063-8F4C-AEB1-B7E7A249683A}" type="datetimeFigureOut">
               <a:rPr lang="en-US" smtClean="0"/>
-              <a:t>4/6/23</a:t>
+              <a:t>5/15/23</a:t>
             </a:fld>
             <a:endParaRPr lang="en-US"/>
           </a:p>
@@ -1704,7 +1705,7 @@
           <a:p>
             <a:fld id="{9191ECB3-2063-8F4C-AEB1-B7E7A249683A}" type="datetimeFigureOut">
               <a:rPr lang="en-US" smtClean="0"/>
-              <a:t>4/6/23</a:t>
+              <a:t>5/15/23</a:t>
             </a:fld>
             <a:endParaRPr lang="en-US"/>
           </a:p>
@@ -1936,7 +1937,7 @@
           <a:p>
             <a:fld id="{9191ECB3-2063-8F4C-AEB1-B7E7A249683A}" type="datetimeFigureOut">
               <a:rPr lang="en-US" smtClean="0"/>
-              <a:t>4/6/23</a:t>
+              <a:t>5/15/23</a:t>
             </a:fld>
             <a:endParaRPr lang="en-US"/>
           </a:p>
@@ -2303,7 +2304,7 @@
           <a:p>
             <a:fld id="{9191ECB3-2063-8F4C-AEB1-B7E7A249683A}" type="datetimeFigureOut">
               <a:rPr lang="en-US" smtClean="0"/>
-              <a:t>4/6/23</a:t>
+              <a:t>5/15/23</a:t>
             </a:fld>
             <a:endParaRPr lang="en-US"/>
           </a:p>
@@ -2421,7 +2422,7 @@
           <a:p>
             <a:fld id="{9191ECB3-2063-8F4C-AEB1-B7E7A249683A}" type="datetimeFigureOut">
               <a:rPr lang="en-US" smtClean="0"/>
-              <a:t>4/6/23</a:t>
+              <a:t>5/15/23</a:t>
             </a:fld>
             <a:endParaRPr lang="en-US"/>
           </a:p>
@@ -2516,7 +2517,7 @@
           <a:p>
             <a:fld id="{9191ECB3-2063-8F4C-AEB1-B7E7A249683A}" type="datetimeFigureOut">
               <a:rPr lang="en-US" smtClean="0"/>
-              <a:t>4/6/23</a:t>
+              <a:t>5/15/23</a:t>
             </a:fld>
             <a:endParaRPr lang="en-US"/>
           </a:p>
@@ -2793,7 +2794,7 @@
           <a:p>
             <a:fld id="{9191ECB3-2063-8F4C-AEB1-B7E7A249683A}" type="datetimeFigureOut">
               <a:rPr lang="en-US" smtClean="0"/>
-              <a:t>4/6/23</a:t>
+              <a:t>5/15/23</a:t>
             </a:fld>
             <a:endParaRPr lang="en-US"/>
           </a:p>
@@ -3050,7 +3051,7 @@
           <a:p>
             <a:fld id="{9191ECB3-2063-8F4C-AEB1-B7E7A249683A}" type="datetimeFigureOut">
               <a:rPr lang="en-US" smtClean="0"/>
-              <a:t>4/6/23</a:t>
+              <a:t>5/15/23</a:t>
             </a:fld>
             <a:endParaRPr lang="en-US"/>
           </a:p>
@@ -3263,7 +3264,7 @@
           <a:p>
             <a:fld id="{9191ECB3-2063-8F4C-AEB1-B7E7A249683A}" type="datetimeFigureOut">
               <a:rPr lang="en-US" smtClean="0"/>
-              <a:t>4/6/23</a:t>
+              <a:t>5/15/23</a:t>
             </a:fld>
             <a:endParaRPr lang="en-US"/>
           </a:p>
@@ -4634,6 +4635,107 @@
     <p:extLst>
       <p:ext uri="{BB962C8B-B14F-4D97-AF65-F5344CB8AC3E}">
         <p14:creationId xmlns:p14="http://schemas.microsoft.com/office/powerpoint/2010/main" val="2207215621"/>
+      </p:ext>
+    </p:extLst>
+  </p:cSld>
+  <p:clrMapOvr>
+    <a:masterClrMapping/>
+  </p:clrMapOvr>
+</p:sld>
+</file>
+
+<file path=ppt/slides/slide5.xml><?xml version="1.0" encoding="utf-8"?>
+<p:sld xmlns:a="http://schemas.openxmlformats.org/drawingml/2006/main" xmlns:r="http://schemas.openxmlformats.org/officeDocument/2006/relationships" xmlns:p="http://schemas.openxmlformats.org/presentationml/2006/main">
+  <p:cSld>
+    <p:spTree>
+      <p:nvGrpSpPr>
+        <p:cNvPr id="1" name=""/>
+        <p:cNvGrpSpPr/>
+        <p:nvPr/>
+      </p:nvGrpSpPr>
+      <p:grpSpPr>
+        <a:xfrm>
+          <a:off x="0" y="0"/>
+          <a:ext cx="0" cy="0"/>
+          <a:chOff x="0" y="0"/>
+          <a:chExt cx="0" cy="0"/>
+        </a:xfrm>
+      </p:grpSpPr>
+      <p:pic>
+        <p:nvPicPr>
+          <p:cNvPr id="3" name="Graphic 2" descr="Newspaper with solid fill">
+            <a:extLst>
+              <a:ext uri="{FF2B5EF4-FFF2-40B4-BE49-F238E27FC236}">
+                <a16:creationId xmlns:a16="http://schemas.microsoft.com/office/drawing/2014/main" id="{34926F2B-90DE-BF84-2D70-57BB2E486821}"/>
+              </a:ext>
+            </a:extLst>
+          </p:cNvPr>
+          <p:cNvPicPr>
+            <a:picLocks noChangeAspect="1"/>
+          </p:cNvPicPr>
+          <p:nvPr/>
+        </p:nvPicPr>
+        <p:blipFill rotWithShape="1">
+          <a:blip r:embed="rId2">
+            <a:extLst>
+              <a:ext uri="{96DAC541-7B7A-43D3-8B79-37D633B846F1}">
+                <asvg:svgBlip xmlns:asvg="http://schemas.microsoft.com/office/drawing/2016/SVG/main" r:embed="rId3"/>
+              </a:ext>
+            </a:extLst>
+          </a:blip>
+          <a:srcRect l="7965" t="7910" r="10947" b="8757"/>
+          <a:stretch/>
+        </p:blipFill>
+        <p:spPr>
+          <a:xfrm>
+            <a:off x="9853613" y="2916421"/>
+            <a:ext cx="1905000" cy="1957728"/>
+          </a:xfrm>
+          <a:prstGeom prst="rect">
+            <a:avLst/>
+          </a:prstGeom>
+        </p:spPr>
+      </p:pic>
+      <p:pic>
+        <p:nvPicPr>
+          <p:cNvPr id="5" name="Graphic 4">
+            <a:extLst>
+              <a:ext uri="{FF2B5EF4-FFF2-40B4-BE49-F238E27FC236}">
+                <a16:creationId xmlns:a16="http://schemas.microsoft.com/office/drawing/2014/main" id="{5EF5400C-D57F-1B45-3CFF-1E1AB473B155}"/>
+              </a:ext>
+            </a:extLst>
+          </p:cNvPr>
+          <p:cNvPicPr>
+            <a:picLocks noChangeAspect="1"/>
+          </p:cNvPicPr>
+          <p:nvPr/>
+        </p:nvPicPr>
+        <p:blipFill>
+          <a:blip r:embed="rId4">
+            <a:extLst>
+              <a:ext uri="{96DAC541-7B7A-43D3-8B79-37D633B846F1}">
+                <asvg:svgBlip xmlns:asvg="http://schemas.microsoft.com/office/drawing/2016/SVG/main" r:embed="rId5"/>
+              </a:ext>
+            </a:extLst>
+          </a:blip>
+          <a:stretch>
+            <a:fillRect/>
+          </a:stretch>
+        </p:blipFill>
+        <p:spPr>
+          <a:xfrm>
+            <a:off x="13034849" y="2969149"/>
+            <a:ext cx="1905000" cy="1905000"/>
+          </a:xfrm>
+          <a:prstGeom prst="rect">
+            <a:avLst/>
+          </a:prstGeom>
+        </p:spPr>
+      </p:pic>
+    </p:spTree>
+    <p:extLst>
+      <p:ext uri="{BB962C8B-B14F-4D97-AF65-F5344CB8AC3E}">
+        <p14:creationId xmlns:p14="http://schemas.microsoft.com/office/powerpoint/2010/main" val="12915955"/>
       </p:ext>
     </p:extLst>
   </p:cSld>
